--- a/CS490Presentation.pptx
+++ b/CS490Presentation.pptx
@@ -5,54 +5,55 @@
     <p:sldMasterId id="2147483659" r:id="rId1"/>
   </p:sldMasterIdLst>
   <p:notesMasterIdLst>
-    <p:notesMasterId r:id="rId32"/>
+    <p:notesMasterId r:id="rId33"/>
   </p:notesMasterIdLst>
   <p:sldIdLst>
     <p:sldId id="256" r:id="rId2"/>
     <p:sldId id="292" r:id="rId3"/>
     <p:sldId id="261" r:id="rId4"/>
     <p:sldId id="277" r:id="rId5"/>
-    <p:sldId id="306" r:id="rId6"/>
-    <p:sldId id="293" r:id="rId7"/>
-    <p:sldId id="299" r:id="rId8"/>
-    <p:sldId id="280" r:id="rId9"/>
-    <p:sldId id="304" r:id="rId10"/>
-    <p:sldId id="281" r:id="rId11"/>
-    <p:sldId id="303" r:id="rId12"/>
-    <p:sldId id="282" r:id="rId13"/>
-    <p:sldId id="302" r:id="rId14"/>
-    <p:sldId id="283" r:id="rId15"/>
-    <p:sldId id="300" r:id="rId16"/>
-    <p:sldId id="284" r:id="rId17"/>
-    <p:sldId id="298" r:id="rId18"/>
-    <p:sldId id="285" r:id="rId19"/>
-    <p:sldId id="294" r:id="rId20"/>
-    <p:sldId id="286" r:id="rId21"/>
-    <p:sldId id="297" r:id="rId22"/>
-    <p:sldId id="287" r:id="rId23"/>
-    <p:sldId id="288" r:id="rId24"/>
-    <p:sldId id="296" r:id="rId25"/>
-    <p:sldId id="289" r:id="rId26"/>
-    <p:sldId id="295" r:id="rId27"/>
-    <p:sldId id="290" r:id="rId28"/>
-    <p:sldId id="301" r:id="rId29"/>
-    <p:sldId id="291" r:id="rId30"/>
-    <p:sldId id="305" r:id="rId31"/>
+    <p:sldId id="307" r:id="rId6"/>
+    <p:sldId id="306" r:id="rId7"/>
+    <p:sldId id="293" r:id="rId8"/>
+    <p:sldId id="299" r:id="rId9"/>
+    <p:sldId id="280" r:id="rId10"/>
+    <p:sldId id="304" r:id="rId11"/>
+    <p:sldId id="281" r:id="rId12"/>
+    <p:sldId id="303" r:id="rId13"/>
+    <p:sldId id="282" r:id="rId14"/>
+    <p:sldId id="302" r:id="rId15"/>
+    <p:sldId id="283" r:id="rId16"/>
+    <p:sldId id="300" r:id="rId17"/>
+    <p:sldId id="284" r:id="rId18"/>
+    <p:sldId id="298" r:id="rId19"/>
+    <p:sldId id="285" r:id="rId20"/>
+    <p:sldId id="294" r:id="rId21"/>
+    <p:sldId id="286" r:id="rId22"/>
+    <p:sldId id="297" r:id="rId23"/>
+    <p:sldId id="287" r:id="rId24"/>
+    <p:sldId id="288" r:id="rId25"/>
+    <p:sldId id="296" r:id="rId26"/>
+    <p:sldId id="289" r:id="rId27"/>
+    <p:sldId id="295" r:id="rId28"/>
+    <p:sldId id="290" r:id="rId29"/>
+    <p:sldId id="301" r:id="rId30"/>
+    <p:sldId id="291" r:id="rId31"/>
+    <p:sldId id="305" r:id="rId32"/>
   </p:sldIdLst>
   <p:sldSz cx="9144000" cy="5143500" type="screen16x9"/>
   <p:notesSz cx="6858000" cy="9144000"/>
   <p:embeddedFontLst>
     <p:embeddedFont>
       <p:font typeface="Montserrat ExtraBold" pitchFamily="2" charset="77"/>
-      <p:bold r:id="rId33"/>
-      <p:boldItalic r:id="rId34"/>
+      <p:bold r:id="rId34"/>
+      <p:boldItalic r:id="rId35"/>
     </p:embeddedFont>
     <p:embeddedFont>
       <p:font typeface="Montserrat Light" pitchFamily="2" charset="77"/>
-      <p:regular r:id="rId35"/>
-      <p:bold r:id="rId36"/>
-      <p:italic r:id="rId37"/>
-      <p:boldItalic r:id="rId38"/>
+      <p:regular r:id="rId36"/>
+      <p:bold r:id="rId37"/>
+      <p:italic r:id="rId38"/>
+      <p:boldItalic r:id="rId39"/>
     </p:embeddedFont>
   </p:embeddedFontLst>
   <p:defaultTextStyle>
@@ -963,7 +964,7 @@
     </p:spTree>
     <p:extLst>
       <p:ext uri="{BB962C8B-B14F-4D97-AF65-F5344CB8AC3E}">
-        <p14:creationId xmlns:p14="http://schemas.microsoft.com/office/powerpoint/2010/main" val="2831246189"/>
+        <p14:creationId xmlns:p14="http://schemas.microsoft.com/office/powerpoint/2010/main" val="1751291932"/>
       </p:ext>
     </p:extLst>
   </p:cSld>
@@ -1072,7 +1073,7 @@
     </p:spTree>
     <p:extLst>
       <p:ext uri="{BB962C8B-B14F-4D97-AF65-F5344CB8AC3E}">
-        <p14:creationId xmlns:p14="http://schemas.microsoft.com/office/powerpoint/2010/main" val="1161523856"/>
+        <p14:creationId xmlns:p14="http://schemas.microsoft.com/office/powerpoint/2010/main" val="2831246189"/>
       </p:ext>
     </p:extLst>
   </p:cSld>
@@ -1181,7 +1182,7 @@
     </p:spTree>
     <p:extLst>
       <p:ext uri="{BB962C8B-B14F-4D97-AF65-F5344CB8AC3E}">
-        <p14:creationId xmlns:p14="http://schemas.microsoft.com/office/powerpoint/2010/main" val="991491850"/>
+        <p14:creationId xmlns:p14="http://schemas.microsoft.com/office/powerpoint/2010/main" val="1161523856"/>
       </p:ext>
     </p:extLst>
   </p:cSld>
@@ -1290,7 +1291,7 @@
     </p:spTree>
     <p:extLst>
       <p:ext uri="{BB962C8B-B14F-4D97-AF65-F5344CB8AC3E}">
-        <p14:creationId xmlns:p14="http://schemas.microsoft.com/office/powerpoint/2010/main" val="3493724490"/>
+        <p14:creationId xmlns:p14="http://schemas.microsoft.com/office/powerpoint/2010/main" val="991491850"/>
       </p:ext>
     </p:extLst>
   </p:cSld>
@@ -1399,7 +1400,7 @@
     </p:spTree>
     <p:extLst>
       <p:ext uri="{BB962C8B-B14F-4D97-AF65-F5344CB8AC3E}">
-        <p14:creationId xmlns:p14="http://schemas.microsoft.com/office/powerpoint/2010/main" val="3162842890"/>
+        <p14:creationId xmlns:p14="http://schemas.microsoft.com/office/powerpoint/2010/main" val="3493724490"/>
       </p:ext>
     </p:extLst>
   </p:cSld>
@@ -1508,7 +1509,7 @@
     </p:spTree>
     <p:extLst>
       <p:ext uri="{BB962C8B-B14F-4D97-AF65-F5344CB8AC3E}">
-        <p14:creationId xmlns:p14="http://schemas.microsoft.com/office/powerpoint/2010/main" val="311797599"/>
+        <p14:creationId xmlns:p14="http://schemas.microsoft.com/office/powerpoint/2010/main" val="3162842890"/>
       </p:ext>
     </p:extLst>
   </p:cSld>
@@ -1617,7 +1618,7 @@
     </p:spTree>
     <p:extLst>
       <p:ext uri="{BB962C8B-B14F-4D97-AF65-F5344CB8AC3E}">
-        <p14:creationId xmlns:p14="http://schemas.microsoft.com/office/powerpoint/2010/main" val="1964391037"/>
+        <p14:creationId xmlns:p14="http://schemas.microsoft.com/office/powerpoint/2010/main" val="311797599"/>
       </p:ext>
     </p:extLst>
   </p:cSld>
@@ -1726,7 +1727,7 @@
     </p:spTree>
     <p:extLst>
       <p:ext uri="{BB962C8B-B14F-4D97-AF65-F5344CB8AC3E}">
-        <p14:creationId xmlns:p14="http://schemas.microsoft.com/office/powerpoint/2010/main" val="9268654"/>
+        <p14:creationId xmlns:p14="http://schemas.microsoft.com/office/powerpoint/2010/main" val="1964391037"/>
       </p:ext>
     </p:extLst>
   </p:cSld>
@@ -1835,7 +1836,7 @@
     </p:spTree>
     <p:extLst>
       <p:ext uri="{BB962C8B-B14F-4D97-AF65-F5344CB8AC3E}">
-        <p14:creationId xmlns:p14="http://schemas.microsoft.com/office/powerpoint/2010/main" val="112379431"/>
+        <p14:creationId xmlns:p14="http://schemas.microsoft.com/office/powerpoint/2010/main" val="9268654"/>
       </p:ext>
     </p:extLst>
   </p:cSld>
@@ -1944,7 +1945,7 @@
     </p:spTree>
     <p:extLst>
       <p:ext uri="{BB962C8B-B14F-4D97-AF65-F5344CB8AC3E}">
-        <p14:creationId xmlns:p14="http://schemas.microsoft.com/office/powerpoint/2010/main" val="2437253568"/>
+        <p14:creationId xmlns:p14="http://schemas.microsoft.com/office/powerpoint/2010/main" val="112379431"/>
       </p:ext>
     </p:extLst>
   </p:cSld>
@@ -2162,7 +2163,7 @@
     </p:spTree>
     <p:extLst>
       <p:ext uri="{BB962C8B-B14F-4D97-AF65-F5344CB8AC3E}">
-        <p14:creationId xmlns:p14="http://schemas.microsoft.com/office/powerpoint/2010/main" val="3568847226"/>
+        <p14:creationId xmlns:p14="http://schemas.microsoft.com/office/powerpoint/2010/main" val="2437253568"/>
       </p:ext>
     </p:extLst>
   </p:cSld>
@@ -2271,7 +2272,7 @@
     </p:spTree>
     <p:extLst>
       <p:ext uri="{BB962C8B-B14F-4D97-AF65-F5344CB8AC3E}">
-        <p14:creationId xmlns:p14="http://schemas.microsoft.com/office/powerpoint/2010/main" val="3026609206"/>
+        <p14:creationId xmlns:p14="http://schemas.microsoft.com/office/powerpoint/2010/main" val="3568847226"/>
       </p:ext>
     </p:extLst>
   </p:cSld>
@@ -2380,7 +2381,7 @@
     </p:spTree>
     <p:extLst>
       <p:ext uri="{BB962C8B-B14F-4D97-AF65-F5344CB8AC3E}">
-        <p14:creationId xmlns:p14="http://schemas.microsoft.com/office/powerpoint/2010/main" val="2796620341"/>
+        <p14:creationId xmlns:p14="http://schemas.microsoft.com/office/powerpoint/2010/main" val="3026609206"/>
       </p:ext>
     </p:extLst>
   </p:cSld>
@@ -2489,7 +2490,7 @@
     </p:spTree>
     <p:extLst>
       <p:ext uri="{BB962C8B-B14F-4D97-AF65-F5344CB8AC3E}">
-        <p14:creationId xmlns:p14="http://schemas.microsoft.com/office/powerpoint/2010/main" val="3160417820"/>
+        <p14:creationId xmlns:p14="http://schemas.microsoft.com/office/powerpoint/2010/main" val="2796620341"/>
       </p:ext>
     </p:extLst>
   </p:cSld>
@@ -2598,7 +2599,7 @@
     </p:spTree>
     <p:extLst>
       <p:ext uri="{BB962C8B-B14F-4D97-AF65-F5344CB8AC3E}">
-        <p14:creationId xmlns:p14="http://schemas.microsoft.com/office/powerpoint/2010/main" val="2070080205"/>
+        <p14:creationId xmlns:p14="http://schemas.microsoft.com/office/powerpoint/2010/main" val="3160417820"/>
       </p:ext>
     </p:extLst>
   </p:cSld>
@@ -2707,7 +2708,7 @@
     </p:spTree>
     <p:extLst>
       <p:ext uri="{BB962C8B-B14F-4D97-AF65-F5344CB8AC3E}">
-        <p14:creationId xmlns:p14="http://schemas.microsoft.com/office/powerpoint/2010/main" val="227619627"/>
+        <p14:creationId xmlns:p14="http://schemas.microsoft.com/office/powerpoint/2010/main" val="2070080205"/>
       </p:ext>
     </p:extLst>
   </p:cSld>
@@ -2816,7 +2817,7 @@
     </p:spTree>
     <p:extLst>
       <p:ext uri="{BB962C8B-B14F-4D97-AF65-F5344CB8AC3E}">
-        <p14:creationId xmlns:p14="http://schemas.microsoft.com/office/powerpoint/2010/main" val="2111433651"/>
+        <p14:creationId xmlns:p14="http://schemas.microsoft.com/office/powerpoint/2010/main" val="227619627"/>
       </p:ext>
     </p:extLst>
   </p:cSld>
@@ -2925,7 +2926,7 @@
     </p:spTree>
     <p:extLst>
       <p:ext uri="{BB962C8B-B14F-4D97-AF65-F5344CB8AC3E}">
-        <p14:creationId xmlns:p14="http://schemas.microsoft.com/office/powerpoint/2010/main" val="724785386"/>
+        <p14:creationId xmlns:p14="http://schemas.microsoft.com/office/powerpoint/2010/main" val="2111433651"/>
       </p:ext>
     </p:extLst>
   </p:cSld>
@@ -3034,7 +3035,7 @@
     </p:spTree>
     <p:extLst>
       <p:ext uri="{BB962C8B-B14F-4D97-AF65-F5344CB8AC3E}">
-        <p14:creationId xmlns:p14="http://schemas.microsoft.com/office/powerpoint/2010/main" val="4130185610"/>
+        <p14:creationId xmlns:p14="http://schemas.microsoft.com/office/powerpoint/2010/main" val="724785386"/>
       </p:ext>
     </p:extLst>
   </p:cSld>
@@ -3143,7 +3144,7 @@
     </p:spTree>
     <p:extLst>
       <p:ext uri="{BB962C8B-B14F-4D97-AF65-F5344CB8AC3E}">
-        <p14:creationId xmlns:p14="http://schemas.microsoft.com/office/powerpoint/2010/main" val="3451784560"/>
+        <p14:creationId xmlns:p14="http://schemas.microsoft.com/office/powerpoint/2010/main" val="4130185610"/>
       </p:ext>
     </p:extLst>
   </p:cSld>
@@ -3258,6 +3259,115 @@
 </file>
 
 <file path=ppt/notesSlides/notesSlide30.xml><?xml version="1.0" encoding="utf-8"?>
+<p:notes xmlns:a="http://schemas.openxmlformats.org/drawingml/2006/main" xmlns:r="http://schemas.openxmlformats.org/officeDocument/2006/relationships" xmlns:p="http://schemas.openxmlformats.org/presentationml/2006/main" showMasterSp="0" showMasterPhAnim="0">
+  <p:cSld>
+    <p:spTree>
+      <p:nvGrpSpPr>
+        <p:cNvPr id="1" name="Shape 80"/>
+        <p:cNvGrpSpPr/>
+        <p:nvPr/>
+      </p:nvGrpSpPr>
+      <p:grpSpPr>
+        <a:xfrm>
+          <a:off x="0" y="0"/>
+          <a:ext cx="0" cy="0"/>
+          <a:chOff x="0" y="0"/>
+          <a:chExt cx="0" cy="0"/>
+        </a:xfrm>
+      </p:grpSpPr>
+      <p:sp>
+        <p:nvSpPr>
+          <p:cNvPr id="81" name="Google Shape;81;g35f391192_029:notes"/>
+          <p:cNvSpPr>
+            <a:spLocks noGrp="1" noRot="1" noChangeAspect="1"/>
+          </p:cNvSpPr>
+          <p:nvPr>
+            <p:ph type="sldImg" idx="2"/>
+          </p:nvPr>
+        </p:nvSpPr>
+        <p:spPr>
+          <a:xfrm>
+            <a:off x="381000" y="685800"/>
+            <a:ext cx="6096000" cy="3429000"/>
+          </a:xfrm>
+          <a:custGeom>
+            <a:avLst/>
+            <a:gdLst/>
+            <a:ahLst/>
+            <a:cxnLst/>
+            <a:rect l="l" t="t" r="r" b="b"/>
+            <a:pathLst>
+              <a:path w="120000" h="120000" extrusionOk="0">
+                <a:moveTo>
+                  <a:pt x="0" y="0"/>
+                </a:moveTo>
+                <a:lnTo>
+                  <a:pt x="120000" y="0"/>
+                </a:lnTo>
+                <a:lnTo>
+                  <a:pt x="120000" y="120000"/>
+                </a:lnTo>
+                <a:lnTo>
+                  <a:pt x="0" y="120000"/>
+                </a:lnTo>
+                <a:close/>
+              </a:path>
+            </a:pathLst>
+          </a:custGeom>
+        </p:spPr>
+      </p:sp>
+      <p:sp>
+        <p:nvSpPr>
+          <p:cNvPr id="82" name="Google Shape;82;g35f391192_029:notes"/>
+          <p:cNvSpPr txBox="1">
+            <a:spLocks noGrp="1"/>
+          </p:cNvSpPr>
+          <p:nvPr>
+            <p:ph type="body" idx="1"/>
+          </p:nvPr>
+        </p:nvSpPr>
+        <p:spPr>
+          <a:xfrm>
+            <a:off x="685800" y="4343400"/>
+            <a:ext cx="5486400" cy="4114800"/>
+          </a:xfrm>
+          <a:prstGeom prst="rect">
+            <a:avLst/>
+          </a:prstGeom>
+        </p:spPr>
+        <p:txBody>
+          <a:bodyPr spcFirstLastPara="1" wrap="square" lIns="91425" tIns="91425" rIns="91425" bIns="91425" anchor="t" anchorCtr="0">
+            <a:noAutofit/>
+          </a:bodyPr>
+          <a:lstStyle/>
+          <a:p>
+            <a:pPr marL="0" lvl="0" indent="0" algn="l" rtl="0">
+              <a:spcBef>
+                <a:spcPts val="0"/>
+              </a:spcBef>
+              <a:spcAft>
+                <a:spcPts val="0"/>
+              </a:spcAft>
+              <a:buNone/>
+            </a:pPr>
+            <a:endParaRPr/>
+          </a:p>
+        </p:txBody>
+      </p:sp>
+    </p:spTree>
+    <p:extLst>
+      <p:ext uri="{BB962C8B-B14F-4D97-AF65-F5344CB8AC3E}">
+        <p14:creationId xmlns:p14="http://schemas.microsoft.com/office/powerpoint/2010/main" val="3451784560"/>
+      </p:ext>
+    </p:extLst>
+  </p:cSld>
+  <p:clrMapOvr>
+    <a:masterClrMapping/>
+  </p:clrMapOvr>
+</p:notes>
+</file>
+
+<file path=ppt/notesSlides/notesSlide31.xml><?xml version="1.0" encoding="utf-8"?>
 <p:notes xmlns:a="http://schemas.openxmlformats.org/drawingml/2006/main" xmlns:r="http://schemas.openxmlformats.org/officeDocument/2006/relationships" xmlns:p="http://schemas.openxmlformats.org/presentationml/2006/main" showMasterSp="0" showMasterPhAnim="0">
   <p:cSld>
     <p:spTree>
@@ -3475,7 +3585,7 @@
   <p:cSld>
     <p:spTree>
       <p:nvGrpSpPr>
-        <p:cNvPr id="1" name="Shape 80"/>
+        <p:cNvPr id="1" name="Shape 266"/>
         <p:cNvGrpSpPr/>
         <p:nvPr/>
       </p:nvGrpSpPr>
@@ -3489,7 +3599,7 @@
       </p:grpSpPr>
       <p:sp>
         <p:nvSpPr>
-          <p:cNvPr id="81" name="Google Shape;81;g35f391192_029:notes"/>
+          <p:cNvPr id="267" name="Google Shape;267;g35ed75ccf_0113:notes"/>
           <p:cNvSpPr>
             <a:spLocks noGrp="1" noRot="1" noChangeAspect="1"/>
           </p:cNvSpPr>
@@ -3530,7 +3640,7 @@
       </p:sp>
       <p:sp>
         <p:nvSpPr>
-          <p:cNvPr id="82" name="Google Shape;82;g35f391192_029:notes"/>
+          <p:cNvPr id="268" name="Google Shape;268;g35ed75ccf_0113:notes"/>
           <p:cNvSpPr txBox="1">
             <a:spLocks noGrp="1"/>
           </p:cNvSpPr>
@@ -3569,7 +3679,7 @@
     </p:spTree>
     <p:extLst>
       <p:ext uri="{BB962C8B-B14F-4D97-AF65-F5344CB8AC3E}">
-        <p14:creationId xmlns:p14="http://schemas.microsoft.com/office/powerpoint/2010/main" val="2164141353"/>
+        <p14:creationId xmlns:p14="http://schemas.microsoft.com/office/powerpoint/2010/main" val="4126493576"/>
       </p:ext>
     </p:extLst>
   </p:cSld>
@@ -3678,7 +3788,7 @@
     </p:spTree>
     <p:extLst>
       <p:ext uri="{BB962C8B-B14F-4D97-AF65-F5344CB8AC3E}">
-        <p14:creationId xmlns:p14="http://schemas.microsoft.com/office/powerpoint/2010/main" val="2648986449"/>
+        <p14:creationId xmlns:p14="http://schemas.microsoft.com/office/powerpoint/2010/main" val="2164141353"/>
       </p:ext>
     </p:extLst>
   </p:cSld>
@@ -3787,7 +3897,7 @@
     </p:spTree>
     <p:extLst>
       <p:ext uri="{BB962C8B-B14F-4D97-AF65-F5344CB8AC3E}">
-        <p14:creationId xmlns:p14="http://schemas.microsoft.com/office/powerpoint/2010/main" val="3287913057"/>
+        <p14:creationId xmlns:p14="http://schemas.microsoft.com/office/powerpoint/2010/main" val="2648986449"/>
       </p:ext>
     </p:extLst>
   </p:cSld>
@@ -3896,7 +4006,7 @@
     </p:spTree>
     <p:extLst>
       <p:ext uri="{BB962C8B-B14F-4D97-AF65-F5344CB8AC3E}">
-        <p14:creationId xmlns:p14="http://schemas.microsoft.com/office/powerpoint/2010/main" val="561206492"/>
+        <p14:creationId xmlns:p14="http://schemas.microsoft.com/office/powerpoint/2010/main" val="3287913057"/>
       </p:ext>
     </p:extLst>
   </p:cSld>
@@ -4005,7 +4115,7 @@
     </p:spTree>
     <p:extLst>
       <p:ext uri="{BB962C8B-B14F-4D97-AF65-F5344CB8AC3E}">
-        <p14:creationId xmlns:p14="http://schemas.microsoft.com/office/powerpoint/2010/main" val="1751291932"/>
+        <p14:creationId xmlns:p14="http://schemas.microsoft.com/office/powerpoint/2010/main" val="561206492"/>
       </p:ext>
     </p:extLst>
   </p:cSld>
@@ -6588,106 +6698,6 @@
 <file path=ppt/slides/slide10.xml><?xml version="1.0" encoding="utf-8"?>
 <p:sld xmlns:a="http://schemas.openxmlformats.org/drawingml/2006/main" xmlns:r="http://schemas.openxmlformats.org/officeDocument/2006/relationships" xmlns:p="http://schemas.openxmlformats.org/presentationml/2006/main">
   <p:cSld>
-    <p:spTree>
-      <p:nvGrpSpPr>
-        <p:cNvPr id="1" name="Shape 83"/>
-        <p:cNvGrpSpPr/>
-        <p:nvPr/>
-      </p:nvGrpSpPr>
-      <p:grpSpPr>
-        <a:xfrm>
-          <a:off x="0" y="0"/>
-          <a:ext cx="0" cy="0"/>
-          <a:chOff x="0" y="0"/>
-          <a:chExt cx="0" cy="0"/>
-        </a:xfrm>
-      </p:grpSpPr>
-      <p:sp>
-        <p:nvSpPr>
-          <p:cNvPr id="84" name="Google Shape;84;p16"/>
-          <p:cNvSpPr txBox="1">
-            <a:spLocks noGrp="1"/>
-          </p:cNvSpPr>
-          <p:nvPr>
-            <p:ph type="ctrTitle"/>
-          </p:nvPr>
-        </p:nvSpPr>
-        <p:spPr>
-          <a:xfrm>
-            <a:off x="2169925" y="1811950"/>
-            <a:ext cx="4804200" cy="1159800"/>
-          </a:xfrm>
-          <a:prstGeom prst="rect">
-            <a:avLst/>
-          </a:prstGeom>
-        </p:spPr>
-        <p:txBody>
-          <a:bodyPr spcFirstLastPara="1" wrap="square" lIns="0" tIns="0" rIns="0" bIns="0" anchor="ctr" anchorCtr="0">
-            <a:noAutofit/>
-          </a:bodyPr>
-          <a:lstStyle/>
-          <a:p>
-            <a:pPr marL="0" lvl="0" indent="0" algn="ctr" rtl="0">
-              <a:spcBef>
-                <a:spcPts val="0"/>
-              </a:spcBef>
-              <a:spcAft>
-                <a:spcPts val="0"/>
-              </a:spcAft>
-              <a:buNone/>
-            </a:pPr>
-            <a:r>
-              <a:rPr lang="en-US" dirty="0"/>
-              <a:t>Week of February 25th</a:t>
-            </a:r>
-            <a:endParaRPr dirty="0"/>
-          </a:p>
-        </p:txBody>
-      </p:sp>
-      <p:sp>
-        <p:nvSpPr>
-          <p:cNvPr id="3" name="Subtitle 2">
-            <a:extLst>
-              <a:ext uri="{FF2B5EF4-FFF2-40B4-BE49-F238E27FC236}">
-                <a16:creationId xmlns:a16="http://schemas.microsoft.com/office/drawing/2014/main" id="{D5158A26-2A04-254F-B3B4-6E353B5E32C7}"/>
-              </a:ext>
-            </a:extLst>
-          </p:cNvPr>
-          <p:cNvSpPr>
-            <a:spLocks noGrp="1"/>
-          </p:cNvSpPr>
-          <p:nvPr>
-            <p:ph type="subTitle" idx="1"/>
-          </p:nvPr>
-        </p:nvSpPr>
-        <p:spPr/>
-        <p:txBody>
-          <a:bodyPr/>
-          <a:lstStyle/>
-          <a:p>
-            <a:r>
-              <a:rPr lang="en-US" dirty="0"/>
-              <a:t>Main Objective</a:t>
-            </a:r>
-          </a:p>
-        </p:txBody>
-      </p:sp>
-    </p:spTree>
-    <p:extLst>
-      <p:ext uri="{BB962C8B-B14F-4D97-AF65-F5344CB8AC3E}">
-        <p14:creationId xmlns:p14="http://schemas.microsoft.com/office/powerpoint/2010/main" val="2534505032"/>
-      </p:ext>
-    </p:extLst>
-  </p:cSld>
-  <p:clrMapOvr>
-    <a:masterClrMapping/>
-  </p:clrMapOvr>
-</p:sld>
-</file>
-
-<file path=ppt/slides/slide11.xml><?xml version="1.0" encoding="utf-8"?>
-<p:sld xmlns:a="http://schemas.openxmlformats.org/drawingml/2006/main" xmlns:r="http://schemas.openxmlformats.org/officeDocument/2006/relationships" xmlns:p="http://schemas.openxmlformats.org/presentationml/2006/main">
-  <p:cSld>
     <p:bg>
       <p:bgPr>
         <a:gradFill>
@@ -6866,7 +6876,7 @@
     </p:spTree>
     <p:extLst>
       <p:ext uri="{BB962C8B-B14F-4D97-AF65-F5344CB8AC3E}">
-        <p14:creationId xmlns:p14="http://schemas.microsoft.com/office/powerpoint/2010/main" val="2411016815"/>
+        <p14:creationId xmlns:p14="http://schemas.microsoft.com/office/powerpoint/2010/main" val="4185119771"/>
       </p:ext>
     </p:extLst>
   </p:cSld>
@@ -6876,7 +6886,7 @@
 </p:sld>
 </file>
 
-<file path=ppt/slides/slide12.xml><?xml version="1.0" encoding="utf-8"?>
+<file path=ppt/slides/slide11.xml><?xml version="1.0" encoding="utf-8"?>
 <p:sld xmlns:a="http://schemas.openxmlformats.org/drawingml/2006/main" xmlns:r="http://schemas.openxmlformats.org/officeDocument/2006/relationships" xmlns:p="http://schemas.openxmlformats.org/presentationml/2006/main">
   <p:cSld>
     <p:spTree>
@@ -6929,7 +6939,7 @@
             </a:pPr>
             <a:r>
               <a:rPr lang="en-US" dirty="0"/>
-              <a:t>Week of March 4th</a:t>
+              <a:t>Week of February 25th</a:t>
             </a:r>
             <a:endParaRPr dirty="0"/>
           </a:p>
@@ -6966,7 +6976,7 @@
     </p:spTree>
     <p:extLst>
       <p:ext uri="{BB962C8B-B14F-4D97-AF65-F5344CB8AC3E}">
-        <p14:creationId xmlns:p14="http://schemas.microsoft.com/office/powerpoint/2010/main" val="1401665470"/>
+        <p14:creationId xmlns:p14="http://schemas.microsoft.com/office/powerpoint/2010/main" val="2534505032"/>
       </p:ext>
     </p:extLst>
   </p:cSld>
@@ -6976,7 +6986,7 @@
 </p:sld>
 </file>
 
-<file path=ppt/slides/slide13.xml><?xml version="1.0" encoding="utf-8"?>
+<file path=ppt/slides/slide12.xml><?xml version="1.0" encoding="utf-8"?>
 <p:sld xmlns:a="http://schemas.openxmlformats.org/drawingml/2006/main" xmlns:r="http://schemas.openxmlformats.org/officeDocument/2006/relationships" xmlns:p="http://schemas.openxmlformats.org/presentationml/2006/main">
   <p:cSld>
     <p:bg>
@@ -7157,7 +7167,7 @@
     </p:spTree>
     <p:extLst>
       <p:ext uri="{BB962C8B-B14F-4D97-AF65-F5344CB8AC3E}">
-        <p14:creationId xmlns:p14="http://schemas.microsoft.com/office/powerpoint/2010/main" val="2162527428"/>
+        <p14:creationId xmlns:p14="http://schemas.microsoft.com/office/powerpoint/2010/main" val="2411016815"/>
       </p:ext>
     </p:extLst>
   </p:cSld>
@@ -7167,7 +7177,7 @@
 </p:sld>
 </file>
 
-<file path=ppt/slides/slide14.xml><?xml version="1.0" encoding="utf-8"?>
+<file path=ppt/slides/slide13.xml><?xml version="1.0" encoding="utf-8"?>
 <p:sld xmlns:a="http://schemas.openxmlformats.org/drawingml/2006/main" xmlns:r="http://schemas.openxmlformats.org/officeDocument/2006/relationships" xmlns:p="http://schemas.openxmlformats.org/presentationml/2006/main">
   <p:cSld>
     <p:spTree>
@@ -7220,7 +7230,7 @@
             </a:pPr>
             <a:r>
               <a:rPr lang="en-US" dirty="0"/>
-              <a:t>Week of March 11th</a:t>
+              <a:t>Week of March 4th</a:t>
             </a:r>
             <a:endParaRPr dirty="0"/>
           </a:p>
@@ -7257,7 +7267,7 @@
     </p:spTree>
     <p:extLst>
       <p:ext uri="{BB962C8B-B14F-4D97-AF65-F5344CB8AC3E}">
-        <p14:creationId xmlns:p14="http://schemas.microsoft.com/office/powerpoint/2010/main" val="1939415755"/>
+        <p14:creationId xmlns:p14="http://schemas.microsoft.com/office/powerpoint/2010/main" val="1401665470"/>
       </p:ext>
     </p:extLst>
   </p:cSld>
@@ -7267,7 +7277,7 @@
 </p:sld>
 </file>
 
-<file path=ppt/slides/slide15.xml><?xml version="1.0" encoding="utf-8"?>
+<file path=ppt/slides/slide14.xml><?xml version="1.0" encoding="utf-8"?>
 <p:sld xmlns:a="http://schemas.openxmlformats.org/drawingml/2006/main" xmlns:r="http://schemas.openxmlformats.org/officeDocument/2006/relationships" xmlns:p="http://schemas.openxmlformats.org/presentationml/2006/main">
   <p:cSld>
     <p:bg>
@@ -7448,7 +7458,7 @@
     </p:spTree>
     <p:extLst>
       <p:ext uri="{BB962C8B-B14F-4D97-AF65-F5344CB8AC3E}">
-        <p14:creationId xmlns:p14="http://schemas.microsoft.com/office/powerpoint/2010/main" val="4102246228"/>
+        <p14:creationId xmlns:p14="http://schemas.microsoft.com/office/powerpoint/2010/main" val="2162527428"/>
       </p:ext>
     </p:extLst>
   </p:cSld>
@@ -7458,7 +7468,7 @@
 </p:sld>
 </file>
 
-<file path=ppt/slides/slide16.xml><?xml version="1.0" encoding="utf-8"?>
+<file path=ppt/slides/slide15.xml><?xml version="1.0" encoding="utf-8"?>
 <p:sld xmlns:a="http://schemas.openxmlformats.org/drawingml/2006/main" xmlns:r="http://schemas.openxmlformats.org/officeDocument/2006/relationships" xmlns:p="http://schemas.openxmlformats.org/presentationml/2006/main">
   <p:cSld>
     <p:spTree>
@@ -7511,7 +7521,7 @@
             </a:pPr>
             <a:r>
               <a:rPr lang="en-US" dirty="0"/>
-              <a:t>Week of March 18th</a:t>
+              <a:t>Week of March 11th</a:t>
             </a:r>
             <a:endParaRPr dirty="0"/>
           </a:p>
@@ -7548,7 +7558,7 @@
     </p:spTree>
     <p:extLst>
       <p:ext uri="{BB962C8B-B14F-4D97-AF65-F5344CB8AC3E}">
-        <p14:creationId xmlns:p14="http://schemas.microsoft.com/office/powerpoint/2010/main" val="3350745932"/>
+        <p14:creationId xmlns:p14="http://schemas.microsoft.com/office/powerpoint/2010/main" val="1939415755"/>
       </p:ext>
     </p:extLst>
   </p:cSld>
@@ -7558,7 +7568,7 @@
 </p:sld>
 </file>
 
-<file path=ppt/slides/slide17.xml><?xml version="1.0" encoding="utf-8"?>
+<file path=ppt/slides/slide16.xml><?xml version="1.0" encoding="utf-8"?>
 <p:sld xmlns:a="http://schemas.openxmlformats.org/drawingml/2006/main" xmlns:r="http://schemas.openxmlformats.org/officeDocument/2006/relationships" xmlns:p="http://schemas.openxmlformats.org/presentationml/2006/main">
   <p:cSld>
     <p:bg>
@@ -7739,7 +7749,7 @@
     </p:spTree>
     <p:extLst>
       <p:ext uri="{BB962C8B-B14F-4D97-AF65-F5344CB8AC3E}">
-        <p14:creationId xmlns:p14="http://schemas.microsoft.com/office/powerpoint/2010/main" val="2270558245"/>
+        <p14:creationId xmlns:p14="http://schemas.microsoft.com/office/powerpoint/2010/main" val="4102246228"/>
       </p:ext>
     </p:extLst>
   </p:cSld>
@@ -7749,7 +7759,7 @@
 </p:sld>
 </file>
 
-<file path=ppt/slides/slide18.xml><?xml version="1.0" encoding="utf-8"?>
+<file path=ppt/slides/slide17.xml><?xml version="1.0" encoding="utf-8"?>
 <p:sld xmlns:a="http://schemas.openxmlformats.org/drawingml/2006/main" xmlns:r="http://schemas.openxmlformats.org/officeDocument/2006/relationships" xmlns:p="http://schemas.openxmlformats.org/presentationml/2006/main">
   <p:cSld>
     <p:spTree>
@@ -7802,7 +7812,7 @@
             </a:pPr>
             <a:r>
               <a:rPr lang="en-US" dirty="0"/>
-              <a:t>Week of March 25th</a:t>
+              <a:t>Week of March 18th</a:t>
             </a:r>
             <a:endParaRPr dirty="0"/>
           </a:p>
@@ -7839,7 +7849,7 @@
     </p:spTree>
     <p:extLst>
       <p:ext uri="{BB962C8B-B14F-4D97-AF65-F5344CB8AC3E}">
-        <p14:creationId xmlns:p14="http://schemas.microsoft.com/office/powerpoint/2010/main" val="3405499324"/>
+        <p14:creationId xmlns:p14="http://schemas.microsoft.com/office/powerpoint/2010/main" val="3350745932"/>
       </p:ext>
     </p:extLst>
   </p:cSld>
@@ -7849,7 +7859,7 @@
 </p:sld>
 </file>
 
-<file path=ppt/slides/slide19.xml><?xml version="1.0" encoding="utf-8"?>
+<file path=ppt/slides/slide18.xml><?xml version="1.0" encoding="utf-8"?>
 <p:sld xmlns:a="http://schemas.openxmlformats.org/drawingml/2006/main" xmlns:r="http://schemas.openxmlformats.org/officeDocument/2006/relationships" xmlns:p="http://schemas.openxmlformats.org/presentationml/2006/main">
   <p:cSld>
     <p:bg>
@@ -8030,7 +8040,107 @@
     </p:spTree>
     <p:extLst>
       <p:ext uri="{BB962C8B-B14F-4D97-AF65-F5344CB8AC3E}">
-        <p14:creationId xmlns:p14="http://schemas.microsoft.com/office/powerpoint/2010/main" val="1647387679"/>
+        <p14:creationId xmlns:p14="http://schemas.microsoft.com/office/powerpoint/2010/main" val="2270558245"/>
+      </p:ext>
+    </p:extLst>
+  </p:cSld>
+  <p:clrMapOvr>
+    <a:masterClrMapping/>
+  </p:clrMapOvr>
+</p:sld>
+</file>
+
+<file path=ppt/slides/slide19.xml><?xml version="1.0" encoding="utf-8"?>
+<p:sld xmlns:a="http://schemas.openxmlformats.org/drawingml/2006/main" xmlns:r="http://schemas.openxmlformats.org/officeDocument/2006/relationships" xmlns:p="http://schemas.openxmlformats.org/presentationml/2006/main">
+  <p:cSld>
+    <p:spTree>
+      <p:nvGrpSpPr>
+        <p:cNvPr id="1" name="Shape 83"/>
+        <p:cNvGrpSpPr/>
+        <p:nvPr/>
+      </p:nvGrpSpPr>
+      <p:grpSpPr>
+        <a:xfrm>
+          <a:off x="0" y="0"/>
+          <a:ext cx="0" cy="0"/>
+          <a:chOff x="0" y="0"/>
+          <a:chExt cx="0" cy="0"/>
+        </a:xfrm>
+      </p:grpSpPr>
+      <p:sp>
+        <p:nvSpPr>
+          <p:cNvPr id="84" name="Google Shape;84;p16"/>
+          <p:cNvSpPr txBox="1">
+            <a:spLocks noGrp="1"/>
+          </p:cNvSpPr>
+          <p:nvPr>
+            <p:ph type="ctrTitle"/>
+          </p:nvPr>
+        </p:nvSpPr>
+        <p:spPr>
+          <a:xfrm>
+            <a:off x="2169925" y="1811950"/>
+            <a:ext cx="4804200" cy="1159800"/>
+          </a:xfrm>
+          <a:prstGeom prst="rect">
+            <a:avLst/>
+          </a:prstGeom>
+        </p:spPr>
+        <p:txBody>
+          <a:bodyPr spcFirstLastPara="1" wrap="square" lIns="0" tIns="0" rIns="0" bIns="0" anchor="ctr" anchorCtr="0">
+            <a:noAutofit/>
+          </a:bodyPr>
+          <a:lstStyle/>
+          <a:p>
+            <a:pPr marL="0" lvl="0" indent="0" algn="ctr" rtl="0">
+              <a:spcBef>
+                <a:spcPts val="0"/>
+              </a:spcBef>
+              <a:spcAft>
+                <a:spcPts val="0"/>
+              </a:spcAft>
+              <a:buNone/>
+            </a:pPr>
+            <a:r>
+              <a:rPr lang="en-US" dirty="0"/>
+              <a:t>Week of March 25th</a:t>
+            </a:r>
+            <a:endParaRPr dirty="0"/>
+          </a:p>
+        </p:txBody>
+      </p:sp>
+      <p:sp>
+        <p:nvSpPr>
+          <p:cNvPr id="3" name="Subtitle 2">
+            <a:extLst>
+              <a:ext uri="{FF2B5EF4-FFF2-40B4-BE49-F238E27FC236}">
+                <a16:creationId xmlns:a16="http://schemas.microsoft.com/office/drawing/2014/main" id="{D5158A26-2A04-254F-B3B4-6E353B5E32C7}"/>
+              </a:ext>
+            </a:extLst>
+          </p:cNvPr>
+          <p:cNvSpPr>
+            <a:spLocks noGrp="1"/>
+          </p:cNvSpPr>
+          <p:nvPr>
+            <p:ph type="subTitle" idx="1"/>
+          </p:nvPr>
+        </p:nvSpPr>
+        <p:spPr/>
+        <p:txBody>
+          <a:bodyPr/>
+          <a:lstStyle/>
+          <a:p>
+            <a:r>
+              <a:rPr lang="en-US" dirty="0"/>
+              <a:t>Main Objective</a:t>
+            </a:r>
+          </a:p>
+        </p:txBody>
+      </p:sp>
+    </p:spTree>
+    <p:extLst>
+      <p:ext uri="{BB962C8B-B14F-4D97-AF65-F5344CB8AC3E}">
+        <p14:creationId xmlns:p14="http://schemas.microsoft.com/office/powerpoint/2010/main" val="3405499324"/>
       </p:ext>
     </p:extLst>
   </p:cSld>
@@ -8141,106 +8251,6 @@
 </file>
 
 <file path=ppt/slides/slide20.xml><?xml version="1.0" encoding="utf-8"?>
-<p:sld xmlns:a="http://schemas.openxmlformats.org/drawingml/2006/main" xmlns:r="http://schemas.openxmlformats.org/officeDocument/2006/relationships" xmlns:p="http://schemas.openxmlformats.org/presentationml/2006/main">
-  <p:cSld>
-    <p:spTree>
-      <p:nvGrpSpPr>
-        <p:cNvPr id="1" name="Shape 83"/>
-        <p:cNvGrpSpPr/>
-        <p:nvPr/>
-      </p:nvGrpSpPr>
-      <p:grpSpPr>
-        <a:xfrm>
-          <a:off x="0" y="0"/>
-          <a:ext cx="0" cy="0"/>
-          <a:chOff x="0" y="0"/>
-          <a:chExt cx="0" cy="0"/>
-        </a:xfrm>
-      </p:grpSpPr>
-      <p:sp>
-        <p:nvSpPr>
-          <p:cNvPr id="84" name="Google Shape;84;p16"/>
-          <p:cNvSpPr txBox="1">
-            <a:spLocks noGrp="1"/>
-          </p:cNvSpPr>
-          <p:nvPr>
-            <p:ph type="ctrTitle"/>
-          </p:nvPr>
-        </p:nvSpPr>
-        <p:spPr>
-          <a:xfrm>
-            <a:off x="2169925" y="1811950"/>
-            <a:ext cx="4804200" cy="1159800"/>
-          </a:xfrm>
-          <a:prstGeom prst="rect">
-            <a:avLst/>
-          </a:prstGeom>
-        </p:spPr>
-        <p:txBody>
-          <a:bodyPr spcFirstLastPara="1" wrap="square" lIns="0" tIns="0" rIns="0" bIns="0" anchor="ctr" anchorCtr="0">
-            <a:noAutofit/>
-          </a:bodyPr>
-          <a:lstStyle/>
-          <a:p>
-            <a:pPr marL="0" lvl="0" indent="0" algn="ctr" rtl="0">
-              <a:spcBef>
-                <a:spcPts val="0"/>
-              </a:spcBef>
-              <a:spcAft>
-                <a:spcPts val="0"/>
-              </a:spcAft>
-              <a:buNone/>
-            </a:pPr>
-            <a:r>
-              <a:rPr lang="en-US" dirty="0"/>
-              <a:t>Week of April 1st</a:t>
-            </a:r>
-            <a:endParaRPr dirty="0"/>
-          </a:p>
-        </p:txBody>
-      </p:sp>
-      <p:sp>
-        <p:nvSpPr>
-          <p:cNvPr id="3" name="Subtitle 2">
-            <a:extLst>
-              <a:ext uri="{FF2B5EF4-FFF2-40B4-BE49-F238E27FC236}">
-                <a16:creationId xmlns:a16="http://schemas.microsoft.com/office/drawing/2014/main" id="{D5158A26-2A04-254F-B3B4-6E353B5E32C7}"/>
-              </a:ext>
-            </a:extLst>
-          </p:cNvPr>
-          <p:cNvSpPr>
-            <a:spLocks noGrp="1"/>
-          </p:cNvSpPr>
-          <p:nvPr>
-            <p:ph type="subTitle" idx="1"/>
-          </p:nvPr>
-        </p:nvSpPr>
-        <p:spPr/>
-        <p:txBody>
-          <a:bodyPr/>
-          <a:lstStyle/>
-          <a:p>
-            <a:r>
-              <a:rPr lang="en-US" dirty="0"/>
-              <a:t>Main Objective</a:t>
-            </a:r>
-          </a:p>
-        </p:txBody>
-      </p:sp>
-    </p:spTree>
-    <p:extLst>
-      <p:ext uri="{BB962C8B-B14F-4D97-AF65-F5344CB8AC3E}">
-        <p14:creationId xmlns:p14="http://schemas.microsoft.com/office/powerpoint/2010/main" val="3251366591"/>
-      </p:ext>
-    </p:extLst>
-  </p:cSld>
-  <p:clrMapOvr>
-    <a:masterClrMapping/>
-  </p:clrMapOvr>
-</p:sld>
-</file>
-
-<file path=ppt/slides/slide21.xml><?xml version="1.0" encoding="utf-8"?>
 <p:sld xmlns:a="http://schemas.openxmlformats.org/drawingml/2006/main" xmlns:r="http://schemas.openxmlformats.org/officeDocument/2006/relationships" xmlns:p="http://schemas.openxmlformats.org/presentationml/2006/main">
   <p:cSld>
     <p:bg>
@@ -8421,7 +8431,7 @@
     </p:spTree>
     <p:extLst>
       <p:ext uri="{BB962C8B-B14F-4D97-AF65-F5344CB8AC3E}">
-        <p14:creationId xmlns:p14="http://schemas.microsoft.com/office/powerpoint/2010/main" val="2028135539"/>
+        <p14:creationId xmlns:p14="http://schemas.microsoft.com/office/powerpoint/2010/main" val="1647387679"/>
       </p:ext>
     </p:extLst>
   </p:cSld>
@@ -8431,7 +8441,7 @@
 </p:sld>
 </file>
 
-<file path=ppt/slides/slide22.xml><?xml version="1.0" encoding="utf-8"?>
+<file path=ppt/slides/slide21.xml><?xml version="1.0" encoding="utf-8"?>
 <p:sld xmlns:a="http://schemas.openxmlformats.org/drawingml/2006/main" xmlns:r="http://schemas.openxmlformats.org/officeDocument/2006/relationships" xmlns:p="http://schemas.openxmlformats.org/presentationml/2006/main">
   <p:cSld>
     <p:spTree>
@@ -8484,7 +8494,7 @@
             </a:pPr>
             <a:r>
               <a:rPr lang="en-US" dirty="0"/>
-              <a:t>Week of April 8th</a:t>
+              <a:t>Week of April 1st</a:t>
             </a:r>
             <a:endParaRPr dirty="0"/>
           </a:p>
@@ -8521,7 +8531,7 @@
     </p:spTree>
     <p:extLst>
       <p:ext uri="{BB962C8B-B14F-4D97-AF65-F5344CB8AC3E}">
-        <p14:creationId xmlns:p14="http://schemas.microsoft.com/office/powerpoint/2010/main" val="126278111"/>
+        <p14:creationId xmlns:p14="http://schemas.microsoft.com/office/powerpoint/2010/main" val="3251366591"/>
       </p:ext>
     </p:extLst>
   </p:cSld>
@@ -8531,107 +8541,7 @@
 </p:sld>
 </file>
 
-<file path=ppt/slides/slide23.xml><?xml version="1.0" encoding="utf-8"?>
-<p:sld xmlns:a="http://schemas.openxmlformats.org/drawingml/2006/main" xmlns:r="http://schemas.openxmlformats.org/officeDocument/2006/relationships" xmlns:p="http://schemas.openxmlformats.org/presentationml/2006/main">
-  <p:cSld>
-    <p:spTree>
-      <p:nvGrpSpPr>
-        <p:cNvPr id="1" name="Shape 83"/>
-        <p:cNvGrpSpPr/>
-        <p:nvPr/>
-      </p:nvGrpSpPr>
-      <p:grpSpPr>
-        <a:xfrm>
-          <a:off x="0" y="0"/>
-          <a:ext cx="0" cy="0"/>
-          <a:chOff x="0" y="0"/>
-          <a:chExt cx="0" cy="0"/>
-        </a:xfrm>
-      </p:grpSpPr>
-      <p:sp>
-        <p:nvSpPr>
-          <p:cNvPr id="84" name="Google Shape;84;p16"/>
-          <p:cNvSpPr txBox="1">
-            <a:spLocks noGrp="1"/>
-          </p:cNvSpPr>
-          <p:nvPr>
-            <p:ph type="ctrTitle"/>
-          </p:nvPr>
-        </p:nvSpPr>
-        <p:spPr>
-          <a:xfrm>
-            <a:off x="2169925" y="1811950"/>
-            <a:ext cx="4804200" cy="1159800"/>
-          </a:xfrm>
-          <a:prstGeom prst="rect">
-            <a:avLst/>
-          </a:prstGeom>
-        </p:spPr>
-        <p:txBody>
-          <a:bodyPr spcFirstLastPara="1" wrap="square" lIns="0" tIns="0" rIns="0" bIns="0" anchor="ctr" anchorCtr="0">
-            <a:noAutofit/>
-          </a:bodyPr>
-          <a:lstStyle/>
-          <a:p>
-            <a:pPr marL="0" lvl="0" indent="0" algn="ctr" rtl="0">
-              <a:spcBef>
-                <a:spcPts val="0"/>
-              </a:spcBef>
-              <a:spcAft>
-                <a:spcPts val="0"/>
-              </a:spcAft>
-              <a:buNone/>
-            </a:pPr>
-            <a:r>
-              <a:rPr lang="en-US" dirty="0"/>
-              <a:t>Week of April 15th</a:t>
-            </a:r>
-            <a:endParaRPr dirty="0"/>
-          </a:p>
-        </p:txBody>
-      </p:sp>
-      <p:sp>
-        <p:nvSpPr>
-          <p:cNvPr id="3" name="Subtitle 2">
-            <a:extLst>
-              <a:ext uri="{FF2B5EF4-FFF2-40B4-BE49-F238E27FC236}">
-                <a16:creationId xmlns:a16="http://schemas.microsoft.com/office/drawing/2014/main" id="{D5158A26-2A04-254F-B3B4-6E353B5E32C7}"/>
-              </a:ext>
-            </a:extLst>
-          </p:cNvPr>
-          <p:cNvSpPr>
-            <a:spLocks noGrp="1"/>
-          </p:cNvSpPr>
-          <p:nvPr>
-            <p:ph type="subTitle" idx="1"/>
-          </p:nvPr>
-        </p:nvSpPr>
-        <p:spPr/>
-        <p:txBody>
-          <a:bodyPr/>
-          <a:lstStyle/>
-          <a:p>
-            <a:r>
-              <a:rPr lang="en-US" dirty="0"/>
-              <a:t>Main Objective</a:t>
-            </a:r>
-          </a:p>
-        </p:txBody>
-      </p:sp>
-    </p:spTree>
-    <p:extLst>
-      <p:ext uri="{BB962C8B-B14F-4D97-AF65-F5344CB8AC3E}">
-        <p14:creationId xmlns:p14="http://schemas.microsoft.com/office/powerpoint/2010/main" val="1813358911"/>
-      </p:ext>
-    </p:extLst>
-  </p:cSld>
-  <p:clrMapOvr>
-    <a:masterClrMapping/>
-  </p:clrMapOvr>
-</p:sld>
-</file>
-
-<file path=ppt/slides/slide24.xml><?xml version="1.0" encoding="utf-8"?>
+<file path=ppt/slides/slide22.xml><?xml version="1.0" encoding="utf-8"?>
 <p:sld xmlns:a="http://schemas.openxmlformats.org/drawingml/2006/main" xmlns:r="http://schemas.openxmlformats.org/officeDocument/2006/relationships" xmlns:p="http://schemas.openxmlformats.org/presentationml/2006/main">
   <p:cSld>
     <p:bg>
@@ -8812,7 +8722,7 @@
     </p:spTree>
     <p:extLst>
       <p:ext uri="{BB962C8B-B14F-4D97-AF65-F5344CB8AC3E}">
-        <p14:creationId xmlns:p14="http://schemas.microsoft.com/office/powerpoint/2010/main" val="3568205933"/>
+        <p14:creationId xmlns:p14="http://schemas.microsoft.com/office/powerpoint/2010/main" val="2028135539"/>
       </p:ext>
     </p:extLst>
   </p:cSld>
@@ -8822,7 +8732,7 @@
 </p:sld>
 </file>
 
-<file path=ppt/slides/slide25.xml><?xml version="1.0" encoding="utf-8"?>
+<file path=ppt/slides/slide23.xml><?xml version="1.0" encoding="utf-8"?>
 <p:sld xmlns:a="http://schemas.openxmlformats.org/drawingml/2006/main" xmlns:r="http://schemas.openxmlformats.org/officeDocument/2006/relationships" xmlns:p="http://schemas.openxmlformats.org/presentationml/2006/main">
   <p:cSld>
     <p:spTree>
@@ -8875,7 +8785,7 @@
             </a:pPr>
             <a:r>
               <a:rPr lang="en-US" dirty="0"/>
-              <a:t>Week of April 22nd</a:t>
+              <a:t>Week of April 8th</a:t>
             </a:r>
             <a:endParaRPr dirty="0"/>
           </a:p>
@@ -8912,7 +8822,7 @@
     </p:spTree>
     <p:extLst>
       <p:ext uri="{BB962C8B-B14F-4D97-AF65-F5344CB8AC3E}">
-        <p14:creationId xmlns:p14="http://schemas.microsoft.com/office/powerpoint/2010/main" val="714794088"/>
+        <p14:creationId xmlns:p14="http://schemas.microsoft.com/office/powerpoint/2010/main" val="126278111"/>
       </p:ext>
     </p:extLst>
   </p:cSld>
@@ -8922,7 +8832,107 @@
 </p:sld>
 </file>
 
-<file path=ppt/slides/slide26.xml><?xml version="1.0" encoding="utf-8"?>
+<file path=ppt/slides/slide24.xml><?xml version="1.0" encoding="utf-8"?>
+<p:sld xmlns:a="http://schemas.openxmlformats.org/drawingml/2006/main" xmlns:r="http://schemas.openxmlformats.org/officeDocument/2006/relationships" xmlns:p="http://schemas.openxmlformats.org/presentationml/2006/main">
+  <p:cSld>
+    <p:spTree>
+      <p:nvGrpSpPr>
+        <p:cNvPr id="1" name="Shape 83"/>
+        <p:cNvGrpSpPr/>
+        <p:nvPr/>
+      </p:nvGrpSpPr>
+      <p:grpSpPr>
+        <a:xfrm>
+          <a:off x="0" y="0"/>
+          <a:ext cx="0" cy="0"/>
+          <a:chOff x="0" y="0"/>
+          <a:chExt cx="0" cy="0"/>
+        </a:xfrm>
+      </p:grpSpPr>
+      <p:sp>
+        <p:nvSpPr>
+          <p:cNvPr id="84" name="Google Shape;84;p16"/>
+          <p:cNvSpPr txBox="1">
+            <a:spLocks noGrp="1"/>
+          </p:cNvSpPr>
+          <p:nvPr>
+            <p:ph type="ctrTitle"/>
+          </p:nvPr>
+        </p:nvSpPr>
+        <p:spPr>
+          <a:xfrm>
+            <a:off x="2169925" y="1811950"/>
+            <a:ext cx="4804200" cy="1159800"/>
+          </a:xfrm>
+          <a:prstGeom prst="rect">
+            <a:avLst/>
+          </a:prstGeom>
+        </p:spPr>
+        <p:txBody>
+          <a:bodyPr spcFirstLastPara="1" wrap="square" lIns="0" tIns="0" rIns="0" bIns="0" anchor="ctr" anchorCtr="0">
+            <a:noAutofit/>
+          </a:bodyPr>
+          <a:lstStyle/>
+          <a:p>
+            <a:pPr marL="0" lvl="0" indent="0" algn="ctr" rtl="0">
+              <a:spcBef>
+                <a:spcPts val="0"/>
+              </a:spcBef>
+              <a:spcAft>
+                <a:spcPts val="0"/>
+              </a:spcAft>
+              <a:buNone/>
+            </a:pPr>
+            <a:r>
+              <a:rPr lang="en-US" dirty="0"/>
+              <a:t>Week of April 15th</a:t>
+            </a:r>
+            <a:endParaRPr dirty="0"/>
+          </a:p>
+        </p:txBody>
+      </p:sp>
+      <p:sp>
+        <p:nvSpPr>
+          <p:cNvPr id="3" name="Subtitle 2">
+            <a:extLst>
+              <a:ext uri="{FF2B5EF4-FFF2-40B4-BE49-F238E27FC236}">
+                <a16:creationId xmlns:a16="http://schemas.microsoft.com/office/drawing/2014/main" id="{D5158A26-2A04-254F-B3B4-6E353B5E32C7}"/>
+              </a:ext>
+            </a:extLst>
+          </p:cNvPr>
+          <p:cNvSpPr>
+            <a:spLocks noGrp="1"/>
+          </p:cNvSpPr>
+          <p:nvPr>
+            <p:ph type="subTitle" idx="1"/>
+          </p:nvPr>
+        </p:nvSpPr>
+        <p:spPr/>
+        <p:txBody>
+          <a:bodyPr/>
+          <a:lstStyle/>
+          <a:p>
+            <a:r>
+              <a:rPr lang="en-US" dirty="0"/>
+              <a:t>Main Objective</a:t>
+            </a:r>
+          </a:p>
+        </p:txBody>
+      </p:sp>
+    </p:spTree>
+    <p:extLst>
+      <p:ext uri="{BB962C8B-B14F-4D97-AF65-F5344CB8AC3E}">
+        <p14:creationId xmlns:p14="http://schemas.microsoft.com/office/powerpoint/2010/main" val="1813358911"/>
+      </p:ext>
+    </p:extLst>
+  </p:cSld>
+  <p:clrMapOvr>
+    <a:masterClrMapping/>
+  </p:clrMapOvr>
+</p:sld>
+</file>
+
+<file path=ppt/slides/slide25.xml><?xml version="1.0" encoding="utf-8"?>
 <p:sld xmlns:a="http://schemas.openxmlformats.org/drawingml/2006/main" xmlns:r="http://schemas.openxmlformats.org/officeDocument/2006/relationships" xmlns:p="http://schemas.openxmlformats.org/presentationml/2006/main">
   <p:cSld>
     <p:bg>
@@ -9103,7 +9113,7 @@
     </p:spTree>
     <p:extLst>
       <p:ext uri="{BB962C8B-B14F-4D97-AF65-F5344CB8AC3E}">
-        <p14:creationId xmlns:p14="http://schemas.microsoft.com/office/powerpoint/2010/main" val="1316523028"/>
+        <p14:creationId xmlns:p14="http://schemas.microsoft.com/office/powerpoint/2010/main" val="3568205933"/>
       </p:ext>
     </p:extLst>
   </p:cSld>
@@ -9113,7 +9123,7 @@
 </p:sld>
 </file>
 
-<file path=ppt/slides/slide27.xml><?xml version="1.0" encoding="utf-8"?>
+<file path=ppt/slides/slide26.xml><?xml version="1.0" encoding="utf-8"?>
 <p:sld xmlns:a="http://schemas.openxmlformats.org/drawingml/2006/main" xmlns:r="http://schemas.openxmlformats.org/officeDocument/2006/relationships" xmlns:p="http://schemas.openxmlformats.org/presentationml/2006/main">
   <p:cSld>
     <p:spTree>
@@ -9166,7 +9176,7 @@
             </a:pPr>
             <a:r>
               <a:rPr lang="en-US" dirty="0"/>
-              <a:t>Week of April 29th</a:t>
+              <a:t>Week of April 22nd</a:t>
             </a:r>
             <a:endParaRPr dirty="0"/>
           </a:p>
@@ -9203,7 +9213,7 @@
     </p:spTree>
     <p:extLst>
       <p:ext uri="{BB962C8B-B14F-4D97-AF65-F5344CB8AC3E}">
-        <p14:creationId xmlns:p14="http://schemas.microsoft.com/office/powerpoint/2010/main" val="996347907"/>
+        <p14:creationId xmlns:p14="http://schemas.microsoft.com/office/powerpoint/2010/main" val="714794088"/>
       </p:ext>
     </p:extLst>
   </p:cSld>
@@ -9213,7 +9223,7 @@
 </p:sld>
 </file>
 
-<file path=ppt/slides/slide28.xml><?xml version="1.0" encoding="utf-8"?>
+<file path=ppt/slides/slide27.xml><?xml version="1.0" encoding="utf-8"?>
 <p:sld xmlns:a="http://schemas.openxmlformats.org/drawingml/2006/main" xmlns:r="http://schemas.openxmlformats.org/officeDocument/2006/relationships" xmlns:p="http://schemas.openxmlformats.org/presentationml/2006/main">
   <p:cSld>
     <p:bg>
@@ -9394,7 +9404,7 @@
     </p:spTree>
     <p:extLst>
       <p:ext uri="{BB962C8B-B14F-4D97-AF65-F5344CB8AC3E}">
-        <p14:creationId xmlns:p14="http://schemas.microsoft.com/office/powerpoint/2010/main" val="2908370024"/>
+        <p14:creationId xmlns:p14="http://schemas.microsoft.com/office/powerpoint/2010/main" val="1316523028"/>
       </p:ext>
     </p:extLst>
   </p:cSld>
@@ -9404,7 +9414,7 @@
 </p:sld>
 </file>
 
-<file path=ppt/slides/slide29.xml><?xml version="1.0" encoding="utf-8"?>
+<file path=ppt/slides/slide28.xml><?xml version="1.0" encoding="utf-8"?>
 <p:sld xmlns:a="http://schemas.openxmlformats.org/drawingml/2006/main" xmlns:r="http://schemas.openxmlformats.org/officeDocument/2006/relationships" xmlns:p="http://schemas.openxmlformats.org/presentationml/2006/main">
   <p:cSld>
     <p:spTree>
@@ -9457,7 +9467,7 @@
             </a:pPr>
             <a:r>
               <a:rPr lang="en-US" dirty="0"/>
-              <a:t>Week of May 6th</a:t>
+              <a:t>Week of April 29th</a:t>
             </a:r>
             <a:endParaRPr dirty="0"/>
           </a:p>
@@ -9494,7 +9504,7 @@
     </p:spTree>
     <p:extLst>
       <p:ext uri="{BB962C8B-B14F-4D97-AF65-F5344CB8AC3E}">
-        <p14:creationId xmlns:p14="http://schemas.microsoft.com/office/powerpoint/2010/main" val="1633598130"/>
+        <p14:creationId xmlns:p14="http://schemas.microsoft.com/office/powerpoint/2010/main" val="996347907"/>
       </p:ext>
     </p:extLst>
   </p:cSld>
@@ -9504,242 +9514,7 @@
 </p:sld>
 </file>
 
-<file path=ppt/slides/slide3.xml><?xml version="1.0" encoding="utf-8"?>
-<p:sld xmlns:a="http://schemas.openxmlformats.org/drawingml/2006/main" xmlns:r="http://schemas.openxmlformats.org/officeDocument/2006/relationships" xmlns:p="http://schemas.openxmlformats.org/presentationml/2006/main">
-  <p:cSld>
-    <p:bg>
-      <p:bgPr>
-        <a:gradFill>
-          <a:gsLst>
-            <a:gs pos="0">
-              <a:srgbClr val="46E180"/>
-            </a:gs>
-            <a:gs pos="100000">
-              <a:srgbClr val="B8DF32"/>
-            </a:gs>
-          </a:gsLst>
-          <a:lin ang="5400700" scaled="0"/>
-        </a:gradFill>
-        <a:effectLst/>
-      </p:bgPr>
-    </p:bg>
-    <p:spTree>
-      <p:nvGrpSpPr>
-        <p:cNvPr id="1" name="Shape 95"/>
-        <p:cNvGrpSpPr/>
-        <p:nvPr/>
-      </p:nvGrpSpPr>
-      <p:grpSpPr>
-        <a:xfrm>
-          <a:off x="0" y="0"/>
-          <a:ext cx="0" cy="0"/>
-          <a:chOff x="0" y="0"/>
-          <a:chExt cx="0" cy="0"/>
-        </a:xfrm>
-      </p:grpSpPr>
-      <p:sp>
-        <p:nvSpPr>
-          <p:cNvPr id="96" name="Google Shape;96;p18"/>
-          <p:cNvSpPr txBox="1">
-            <a:spLocks noGrp="1"/>
-          </p:cNvSpPr>
-          <p:nvPr>
-            <p:ph type="title"/>
-          </p:nvPr>
-        </p:nvSpPr>
-        <p:spPr>
-          <a:prstGeom prst="rect">
-            <a:avLst/>
-          </a:prstGeom>
-        </p:spPr>
-        <p:txBody>
-          <a:bodyPr spcFirstLastPara="1" wrap="square" lIns="0" tIns="0" rIns="0" bIns="0" anchor="ctr" anchorCtr="0">
-            <a:noAutofit/>
-          </a:bodyPr>
-          <a:lstStyle/>
-          <a:p>
-            <a:pPr marL="0" lvl="0" indent="0" algn="l" rtl="0">
-              <a:spcBef>
-                <a:spcPts val="0"/>
-              </a:spcBef>
-              <a:spcAft>
-                <a:spcPts val="0"/>
-              </a:spcAft>
-              <a:buNone/>
-            </a:pPr>
-            <a:r>
-              <a:rPr lang="en" sz="3200" dirty="0"/>
-              <a:t>Notes </a:t>
-            </a:r>
-            <a:endParaRPr sz="3200" dirty="0"/>
-          </a:p>
-        </p:txBody>
-      </p:sp>
-      <p:sp>
-        <p:nvSpPr>
-          <p:cNvPr id="97" name="Google Shape;97;p18"/>
-          <p:cNvSpPr txBox="1">
-            <a:spLocks noGrp="1"/>
-          </p:cNvSpPr>
-          <p:nvPr>
-            <p:ph type="body" idx="1"/>
-          </p:nvPr>
-        </p:nvSpPr>
-        <p:spPr>
-          <a:prstGeom prst="rect">
-            <a:avLst/>
-          </a:prstGeom>
-        </p:spPr>
-        <p:txBody>
-          <a:bodyPr spcFirstLastPara="1" wrap="square" lIns="0" tIns="0" rIns="0" bIns="0" anchor="ctr" anchorCtr="0">
-            <a:noAutofit/>
-          </a:bodyPr>
-          <a:lstStyle/>
-          <a:p>
-            <a:pPr marL="457200" lvl="0" indent="-368300" algn="l" rtl="0">
-              <a:spcBef>
-                <a:spcPts val="0"/>
-              </a:spcBef>
-              <a:spcAft>
-                <a:spcPts val="0"/>
-              </a:spcAft>
-              <a:buSzPts val="2200"/>
-              <a:buChar char="◦"/>
-            </a:pPr>
-            <a:r>
-              <a:rPr lang="en-US" dirty="0"/>
-              <a:t>Latest version of Java and Scala</a:t>
-            </a:r>
-            <a:endParaRPr dirty="0"/>
-          </a:p>
-          <a:p>
-            <a:pPr marL="457200" lvl="0" indent="-368300" algn="l" rtl="0">
-              <a:spcBef>
-                <a:spcPts val="1000"/>
-              </a:spcBef>
-              <a:spcAft>
-                <a:spcPts val="0"/>
-              </a:spcAft>
-              <a:buSzPts val="2200"/>
-              <a:buChar char="◦"/>
-            </a:pPr>
-            <a:r>
-              <a:rPr lang="en-US" dirty="0"/>
-              <a:t>No special characters in path</a:t>
-            </a:r>
-            <a:endParaRPr dirty="0"/>
-          </a:p>
-          <a:p>
-            <a:pPr marL="457200" lvl="0" indent="-368300" algn="l" rtl="0">
-              <a:spcBef>
-                <a:spcPts val="1000"/>
-              </a:spcBef>
-              <a:spcAft>
-                <a:spcPts val="0"/>
-              </a:spcAft>
-              <a:buSzPts val="2200"/>
-              <a:buChar char="◦"/>
-            </a:pPr>
-            <a:r>
-              <a:rPr lang="en-US" dirty="0"/>
-              <a:t>Add two lines to </a:t>
-            </a:r>
-            <a:r>
-              <a:rPr lang="en-US" dirty="0" err="1"/>
-              <a:t>build.sbt</a:t>
-            </a:r>
-            <a:r>
-              <a:rPr lang="en-US" dirty="0"/>
-              <a:t> (From Daniel)</a:t>
-            </a:r>
-          </a:p>
-          <a:p>
-            <a:pPr marL="457200" lvl="0" indent="-368300" algn="l" rtl="0">
-              <a:spcBef>
-                <a:spcPts val="1000"/>
-              </a:spcBef>
-              <a:spcAft>
-                <a:spcPts val="0"/>
-              </a:spcAft>
-              <a:buSzPts val="2200"/>
-              <a:buChar char="◦"/>
-            </a:pPr>
-            <a:r>
-              <a:rPr lang="en-US" dirty="0"/>
-              <a:t>Google Maps API Request Quota Exceeded </a:t>
-            </a:r>
-            <a:endParaRPr dirty="0"/>
-          </a:p>
-          <a:p>
-            <a:pPr marL="0" lvl="0" indent="0" algn="l" rtl="0">
-              <a:spcBef>
-                <a:spcPts val="1000"/>
-              </a:spcBef>
-              <a:spcAft>
-                <a:spcPts val="1000"/>
-              </a:spcAft>
-              <a:buNone/>
-            </a:pPr>
-            <a:r>
-              <a:rPr lang="en" dirty="0"/>
-              <a:t>Update instructions on README</a:t>
-            </a:r>
-            <a:endParaRPr dirty="0"/>
-          </a:p>
-        </p:txBody>
-      </p:sp>
-      <p:sp>
-        <p:nvSpPr>
-          <p:cNvPr id="98" name="Google Shape;98;p18"/>
-          <p:cNvSpPr txBox="1">
-            <a:spLocks noGrp="1"/>
-          </p:cNvSpPr>
-          <p:nvPr>
-            <p:ph type="sldNum" idx="12"/>
-          </p:nvPr>
-        </p:nvSpPr>
-        <p:spPr>
-          <a:prstGeom prst="rect">
-            <a:avLst/>
-          </a:prstGeom>
-        </p:spPr>
-        <p:txBody>
-          <a:bodyPr spcFirstLastPara="1" wrap="square" lIns="0" tIns="0" rIns="0" bIns="0" anchor="ctr" anchorCtr="0">
-            <a:noAutofit/>
-          </a:bodyPr>
-          <a:lstStyle/>
-          <a:p>
-            <a:pPr marL="0" lvl="0" indent="0" algn="r" rtl="0">
-              <a:spcBef>
-                <a:spcPts val="0"/>
-              </a:spcBef>
-              <a:spcAft>
-                <a:spcPts val="0"/>
-              </a:spcAft>
-              <a:buClr>
-                <a:srgbClr val="000000"/>
-              </a:buClr>
-              <a:buSzPts val="1100"/>
-              <a:buFont typeface="Arial"/>
-              <a:buNone/>
-            </a:pPr>
-            <a:fld id="{00000000-1234-1234-1234-123412341234}" type="slidenum">
-              <a:rPr lang="en"/>
-              <a:t>3</a:t>
-            </a:fld>
-            <a:endParaRPr/>
-          </a:p>
-        </p:txBody>
-      </p:sp>
-    </p:spTree>
-  </p:cSld>
-  <p:clrMapOvr>
-    <a:masterClrMapping/>
-  </p:clrMapOvr>
-</p:sld>
-</file>
-
-<file path=ppt/slides/slide30.xml><?xml version="1.0" encoding="utf-8"?>
+<file path=ppt/slides/slide29.xml><?xml version="1.0" encoding="utf-8"?>
 <p:sld xmlns:a="http://schemas.openxmlformats.org/drawingml/2006/main" xmlns:r="http://schemas.openxmlformats.org/officeDocument/2006/relationships" xmlns:p="http://schemas.openxmlformats.org/presentationml/2006/main">
   <p:cSld>
     <p:bg>
@@ -9920,7 +9695,7 @@
     </p:spTree>
     <p:extLst>
       <p:ext uri="{BB962C8B-B14F-4D97-AF65-F5344CB8AC3E}">
-        <p14:creationId xmlns:p14="http://schemas.microsoft.com/office/powerpoint/2010/main" val="1656985537"/>
+        <p14:creationId xmlns:p14="http://schemas.microsoft.com/office/powerpoint/2010/main" val="2908370024"/>
       </p:ext>
     </p:extLst>
   </p:cSld>
@@ -9930,7 +9705,7 @@
 </p:sld>
 </file>
 
-<file path=ppt/slides/slide4.xml><?xml version="1.0" encoding="utf-8"?>
+<file path=ppt/slides/slide3.xml><?xml version="1.0" encoding="utf-8"?>
 <p:sld xmlns:a="http://schemas.openxmlformats.org/drawingml/2006/main" xmlns:r="http://schemas.openxmlformats.org/officeDocument/2006/relationships" xmlns:p="http://schemas.openxmlformats.org/presentationml/2006/main">
   <p:cSld>
     <p:bg>
@@ -9938,10 +9713,10 @@
         <a:gradFill>
           <a:gsLst>
             <a:gs pos="0">
-              <a:srgbClr val="4050E5"/>
+              <a:srgbClr val="46E180"/>
             </a:gs>
             <a:gs pos="100000">
-              <a:srgbClr val="C833FF"/>
+              <a:srgbClr val="B8DF32"/>
             </a:gs>
           </a:gsLst>
           <a:lin ang="5400700" scaled="0"/>
@@ -9951,7 +9726,7 @@
     </p:bg>
     <p:spTree>
       <p:nvGrpSpPr>
-        <p:cNvPr id="1" name="Shape 269"/>
+        <p:cNvPr id="1" name="Shape 95"/>
         <p:cNvGrpSpPr/>
         <p:nvPr/>
       </p:nvGrpSpPr>
@@ -9965,7 +9740,158 @@
       </p:grpSpPr>
       <p:sp>
         <p:nvSpPr>
-          <p:cNvPr id="272" name="Google Shape;272;p34"/>
+          <p:cNvPr id="96" name="Google Shape;96;p18"/>
+          <p:cNvSpPr txBox="1">
+            <a:spLocks noGrp="1"/>
+          </p:cNvSpPr>
+          <p:nvPr>
+            <p:ph type="title"/>
+          </p:nvPr>
+        </p:nvSpPr>
+        <p:spPr>
+          <a:prstGeom prst="rect">
+            <a:avLst/>
+          </a:prstGeom>
+        </p:spPr>
+        <p:txBody>
+          <a:bodyPr spcFirstLastPara="1" wrap="square" lIns="0" tIns="0" rIns="0" bIns="0" anchor="ctr" anchorCtr="0">
+            <a:noAutofit/>
+          </a:bodyPr>
+          <a:lstStyle/>
+          <a:p>
+            <a:pPr marL="0" lvl="0" indent="0" algn="l" rtl="0">
+              <a:spcBef>
+                <a:spcPts val="0"/>
+              </a:spcBef>
+              <a:spcAft>
+                <a:spcPts val="0"/>
+              </a:spcAft>
+              <a:buNone/>
+            </a:pPr>
+            <a:r>
+              <a:rPr lang="en" sz="3200" dirty="0"/>
+              <a:t>Notes </a:t>
+            </a:r>
+            <a:endParaRPr sz="3200" dirty="0"/>
+          </a:p>
+        </p:txBody>
+      </p:sp>
+      <p:sp>
+        <p:nvSpPr>
+          <p:cNvPr id="97" name="Google Shape;97;p18"/>
+          <p:cNvSpPr txBox="1">
+            <a:spLocks noGrp="1"/>
+          </p:cNvSpPr>
+          <p:nvPr>
+            <p:ph type="body" idx="1"/>
+          </p:nvPr>
+        </p:nvSpPr>
+        <p:spPr>
+          <a:prstGeom prst="rect">
+            <a:avLst/>
+          </a:prstGeom>
+        </p:spPr>
+        <p:txBody>
+          <a:bodyPr spcFirstLastPara="1" wrap="square" lIns="0" tIns="0" rIns="0" bIns="0" anchor="ctr" anchorCtr="0">
+            <a:noAutofit/>
+          </a:bodyPr>
+          <a:lstStyle/>
+          <a:p>
+            <a:pPr marL="457200" lvl="0" indent="-368300" algn="l" rtl="0">
+              <a:spcBef>
+                <a:spcPts val="0"/>
+              </a:spcBef>
+              <a:spcAft>
+                <a:spcPts val="0"/>
+              </a:spcAft>
+              <a:buSzPts val="2200"/>
+              <a:buChar char="◦"/>
+            </a:pPr>
+            <a:r>
+              <a:rPr lang="en-US" dirty="0"/>
+              <a:t>Latest version of Java and Scala</a:t>
+            </a:r>
+            <a:endParaRPr dirty="0"/>
+          </a:p>
+          <a:p>
+            <a:pPr marL="457200" lvl="0" indent="-368300" algn="l" rtl="0">
+              <a:spcBef>
+                <a:spcPts val="1000"/>
+              </a:spcBef>
+              <a:spcAft>
+                <a:spcPts val="0"/>
+              </a:spcAft>
+              <a:buSzPts val="2200"/>
+              <a:buChar char="◦"/>
+            </a:pPr>
+            <a:r>
+              <a:rPr lang="en-US" dirty="0"/>
+              <a:t>No special characters in path</a:t>
+            </a:r>
+            <a:endParaRPr dirty="0"/>
+          </a:p>
+          <a:p>
+            <a:pPr marL="457200" lvl="0" indent="-368300" algn="l" rtl="0">
+              <a:spcBef>
+                <a:spcPts val="1000"/>
+              </a:spcBef>
+              <a:spcAft>
+                <a:spcPts val="0"/>
+              </a:spcAft>
+              <a:buSzPts val="2200"/>
+              <a:buChar char="◦"/>
+            </a:pPr>
+            <a:r>
+              <a:rPr lang="en-US" dirty="0"/>
+              <a:t>Add two lines to </a:t>
+            </a:r>
+            <a:r>
+              <a:rPr lang="en-US" dirty="0" err="1"/>
+              <a:t>build.sbt</a:t>
+            </a:r>
+            <a:r>
+              <a:rPr lang="en-US" dirty="0"/>
+              <a:t> (From Daniel)</a:t>
+            </a:r>
+          </a:p>
+          <a:p>
+            <a:pPr marL="457200" lvl="0" indent="-368300" algn="l" rtl="0">
+              <a:spcBef>
+                <a:spcPts val="1000"/>
+              </a:spcBef>
+              <a:spcAft>
+                <a:spcPts val="0"/>
+              </a:spcAft>
+              <a:buSzPts val="2200"/>
+              <a:buChar char="◦"/>
+            </a:pPr>
+            <a:r>
+              <a:rPr lang="en-US" dirty="0"/>
+              <a:t>Google Maps API Request Quota Exceeded </a:t>
+            </a:r>
+            <a:endParaRPr dirty="0"/>
+          </a:p>
+          <a:p>
+            <a:pPr marL="0" lvl="0" indent="0" algn="l" rtl="0">
+              <a:spcBef>
+                <a:spcPts val="1000"/>
+              </a:spcBef>
+              <a:spcAft>
+                <a:spcPts val="1000"/>
+              </a:spcAft>
+              <a:buNone/>
+            </a:pPr>
+            <a:r>
+              <a:rPr lang="en" dirty="0"/>
+              <a:t>Update instructions on README</a:t>
+            </a:r>
+            <a:endParaRPr dirty="0"/>
+          </a:p>
+        </p:txBody>
+      </p:sp>
+      <p:sp>
+        <p:nvSpPr>
+          <p:cNvPr id="98" name="Google Shape;98;p18"/>
           <p:cNvSpPr txBox="1">
             <a:spLocks noGrp="1"/>
           </p:cNvSpPr>
@@ -9991,605 +9917,21 @@
               <a:spcAft>
                 <a:spcPts val="0"/>
               </a:spcAft>
+              <a:buClr>
+                <a:srgbClr val="000000"/>
+              </a:buClr>
+              <a:buSzPts val="1100"/>
+              <a:buFont typeface="Arial"/>
               <a:buNone/>
             </a:pPr>
             <a:fld id="{00000000-1234-1234-1234-123412341234}" type="slidenum">
               <a:rPr lang="en"/>
-              <a:t>4</a:t>
+              <a:t>3</a:t>
             </a:fld>
             <a:endParaRPr/>
           </a:p>
         </p:txBody>
       </p:sp>
-      <p:sp>
-        <p:nvSpPr>
-          <p:cNvPr id="273" name="Google Shape;273;p34"/>
-          <p:cNvSpPr txBox="1">
-            <a:spLocks noGrp="1"/>
-          </p:cNvSpPr>
-          <p:nvPr>
-            <p:ph type="body" idx="4294967295"/>
-          </p:nvPr>
-        </p:nvSpPr>
-        <p:spPr>
-          <a:xfrm>
-            <a:off x="977852" y="477044"/>
-            <a:ext cx="2508250" cy="4189412"/>
-          </a:xfrm>
-          <a:prstGeom prst="rect">
-            <a:avLst/>
-          </a:prstGeom>
-        </p:spPr>
-        <p:txBody>
-          <a:bodyPr spcFirstLastPara="1" wrap="square" lIns="0" tIns="0" rIns="0" bIns="0" anchor="ctr" anchorCtr="0">
-            <a:noAutofit/>
-          </a:bodyPr>
-          <a:lstStyle/>
-          <a:p>
-            <a:pPr marL="0" lvl="0" indent="0" algn="l" rtl="0">
-              <a:spcBef>
-                <a:spcPts val="600"/>
-              </a:spcBef>
-              <a:spcAft>
-                <a:spcPts val="0"/>
-              </a:spcAft>
-              <a:buNone/>
-            </a:pPr>
-            <a:r>
-              <a:rPr lang="en-US" dirty="0">
-                <a:solidFill>
-                  <a:srgbClr val="FFFFFF"/>
-                </a:solidFill>
-                <a:latin typeface="Montserrat ExtraBold"/>
-                <a:ea typeface="Montserrat ExtraBold"/>
-                <a:cs typeface="Montserrat ExtraBold"/>
-                <a:sym typeface="Montserrat ExtraBold"/>
-              </a:rPr>
-              <a:t>Localhost Webserver</a:t>
-            </a:r>
-            <a:endParaRPr dirty="0">
-              <a:solidFill>
-                <a:srgbClr val="FFFFFF"/>
-              </a:solidFill>
-              <a:latin typeface="Montserrat ExtraBold"/>
-              <a:ea typeface="Montserrat ExtraBold"/>
-              <a:cs typeface="Montserrat ExtraBold"/>
-              <a:sym typeface="Montserrat ExtraBold"/>
-            </a:endParaRPr>
-          </a:p>
-          <a:p>
-            <a:pPr marL="0" lvl="0" indent="0" algn="l" rtl="0">
-              <a:spcBef>
-                <a:spcPts val="1000"/>
-              </a:spcBef>
-              <a:spcAft>
-                <a:spcPts val="1000"/>
-              </a:spcAft>
-              <a:buNone/>
-            </a:pPr>
-            <a:r>
-              <a:rPr lang="en" sz="1800" dirty="0">
-                <a:solidFill>
-                  <a:srgbClr val="FFFFFF"/>
-                </a:solidFill>
-              </a:rPr>
-              <a:t>Google Maps Error</a:t>
-            </a:r>
-          </a:p>
-          <a:p>
-            <a:pPr marL="0" lvl="0" indent="0" algn="l" rtl="0">
-              <a:spcBef>
-                <a:spcPts val="1000"/>
-              </a:spcBef>
-              <a:spcAft>
-                <a:spcPts val="1000"/>
-              </a:spcAft>
-              <a:buNone/>
-            </a:pPr>
-            <a:r>
-              <a:rPr lang="en" sz="1800" dirty="0">
-                <a:solidFill>
-                  <a:srgbClr val="FFFFFF"/>
-                </a:solidFill>
-              </a:rPr>
-              <a:t>- API Quota Exceeded</a:t>
-            </a:r>
-            <a:endParaRPr sz="1800" dirty="0">
-              <a:solidFill>
-                <a:srgbClr val="FFFFFF"/>
-              </a:solidFill>
-            </a:endParaRPr>
-          </a:p>
-        </p:txBody>
-      </p:sp>
-      <p:grpSp>
-        <p:nvGrpSpPr>
-          <p:cNvPr id="3" name="Group 2">
-            <a:extLst>
-              <a:ext uri="{FF2B5EF4-FFF2-40B4-BE49-F238E27FC236}">
-                <a16:creationId xmlns:a16="http://schemas.microsoft.com/office/drawing/2014/main" id="{16A78441-1EF0-DF46-BF57-AAE03B8A250F}"/>
-              </a:ext>
-            </a:extLst>
-          </p:cNvPr>
-          <p:cNvGrpSpPr/>
-          <p:nvPr/>
-        </p:nvGrpSpPr>
-        <p:grpSpPr>
-          <a:xfrm>
-            <a:off x="3657514" y="986388"/>
-            <a:ext cx="4823070" cy="3170724"/>
-            <a:chOff x="3752737" y="731409"/>
-            <a:chExt cx="4914745" cy="3230992"/>
-          </a:xfrm>
-        </p:grpSpPr>
-        <p:sp>
-          <p:nvSpPr>
-            <p:cNvPr id="270" name="Google Shape;270;p34"/>
-            <p:cNvSpPr/>
-            <p:nvPr/>
-          </p:nvSpPr>
-          <p:spPr>
-            <a:xfrm>
-              <a:off x="3752737" y="731409"/>
-              <a:ext cx="4914745" cy="3230992"/>
-            </a:xfrm>
-            <a:custGeom>
-              <a:avLst/>
-              <a:gdLst/>
-              <a:ahLst/>
-              <a:cxnLst/>
-              <a:rect l="l" t="t" r="r" b="b"/>
-              <a:pathLst>
-                <a:path w="143434" h="111665" extrusionOk="0">
-                  <a:moveTo>
-                    <a:pt x="71751" y="2308"/>
-                  </a:moveTo>
-                  <a:lnTo>
-                    <a:pt x="71887" y="2376"/>
-                  </a:lnTo>
-                  <a:lnTo>
-                    <a:pt x="72091" y="2444"/>
-                  </a:lnTo>
-                  <a:lnTo>
-                    <a:pt x="72159" y="2647"/>
-                  </a:lnTo>
-                  <a:lnTo>
-                    <a:pt x="72226" y="2783"/>
-                  </a:lnTo>
-                  <a:lnTo>
-                    <a:pt x="72159" y="2987"/>
-                  </a:lnTo>
-                  <a:lnTo>
-                    <a:pt x="72091" y="3190"/>
-                  </a:lnTo>
-                  <a:lnTo>
-                    <a:pt x="71887" y="3258"/>
-                  </a:lnTo>
-                  <a:lnTo>
-                    <a:pt x="71751" y="3326"/>
-                  </a:lnTo>
-                  <a:lnTo>
-                    <a:pt x="71548" y="3258"/>
-                  </a:lnTo>
-                  <a:lnTo>
-                    <a:pt x="71344" y="3190"/>
-                  </a:lnTo>
-                  <a:lnTo>
-                    <a:pt x="71276" y="2987"/>
-                  </a:lnTo>
-                  <a:lnTo>
-                    <a:pt x="71208" y="2783"/>
-                  </a:lnTo>
-                  <a:lnTo>
-                    <a:pt x="71276" y="2647"/>
-                  </a:lnTo>
-                  <a:lnTo>
-                    <a:pt x="71344" y="2444"/>
-                  </a:lnTo>
-                  <a:lnTo>
-                    <a:pt x="71548" y="2376"/>
-                  </a:lnTo>
-                  <a:lnTo>
-                    <a:pt x="71751" y="2308"/>
-                  </a:lnTo>
-                  <a:close/>
-                  <a:moveTo>
-                    <a:pt x="137528" y="5906"/>
-                  </a:moveTo>
-                  <a:lnTo>
-                    <a:pt x="137596" y="5974"/>
-                  </a:lnTo>
-                  <a:lnTo>
-                    <a:pt x="137596" y="89604"/>
-                  </a:lnTo>
-                  <a:lnTo>
-                    <a:pt x="5906" y="89604"/>
-                  </a:lnTo>
-                  <a:lnTo>
-                    <a:pt x="5906" y="5974"/>
-                  </a:lnTo>
-                  <a:lnTo>
-                    <a:pt x="5906" y="5906"/>
-                  </a:lnTo>
-                  <a:close/>
-                  <a:moveTo>
-                    <a:pt x="3530" y="0"/>
-                  </a:moveTo>
-                  <a:lnTo>
-                    <a:pt x="3191" y="68"/>
-                  </a:lnTo>
-                  <a:lnTo>
-                    <a:pt x="2444" y="339"/>
-                  </a:lnTo>
-                  <a:lnTo>
-                    <a:pt x="1766" y="679"/>
-                  </a:lnTo>
-                  <a:lnTo>
-                    <a:pt x="1155" y="1154"/>
-                  </a:lnTo>
-                  <a:lnTo>
-                    <a:pt x="679" y="1765"/>
-                  </a:lnTo>
-                  <a:lnTo>
-                    <a:pt x="272" y="2444"/>
-                  </a:lnTo>
-                  <a:lnTo>
-                    <a:pt x="69" y="3190"/>
-                  </a:lnTo>
-                  <a:lnTo>
-                    <a:pt x="1" y="3598"/>
-                  </a:lnTo>
-                  <a:lnTo>
-                    <a:pt x="1" y="4005"/>
-                  </a:lnTo>
-                  <a:lnTo>
-                    <a:pt x="1" y="91572"/>
-                  </a:lnTo>
-                  <a:lnTo>
-                    <a:pt x="1" y="91979"/>
-                  </a:lnTo>
-                  <a:lnTo>
-                    <a:pt x="69" y="92319"/>
-                  </a:lnTo>
-                  <a:lnTo>
-                    <a:pt x="272" y="93065"/>
-                  </a:lnTo>
-                  <a:lnTo>
-                    <a:pt x="679" y="93744"/>
-                  </a:lnTo>
-                  <a:lnTo>
-                    <a:pt x="1155" y="94355"/>
-                  </a:lnTo>
-                  <a:lnTo>
-                    <a:pt x="1766" y="94830"/>
-                  </a:lnTo>
-                  <a:lnTo>
-                    <a:pt x="2444" y="95238"/>
-                  </a:lnTo>
-                  <a:lnTo>
-                    <a:pt x="3191" y="95441"/>
-                  </a:lnTo>
-                  <a:lnTo>
-                    <a:pt x="3530" y="95509"/>
-                  </a:lnTo>
-                  <a:lnTo>
-                    <a:pt x="139904" y="95509"/>
-                  </a:lnTo>
-                  <a:lnTo>
-                    <a:pt x="140311" y="95441"/>
-                  </a:lnTo>
-                  <a:lnTo>
-                    <a:pt x="141058" y="95238"/>
-                  </a:lnTo>
-                  <a:lnTo>
-                    <a:pt x="141737" y="94830"/>
-                  </a:lnTo>
-                  <a:lnTo>
-                    <a:pt x="142280" y="94355"/>
-                  </a:lnTo>
-                  <a:lnTo>
-                    <a:pt x="142755" y="93744"/>
-                  </a:lnTo>
-                  <a:lnTo>
-                    <a:pt x="143162" y="93065"/>
-                  </a:lnTo>
-                  <a:lnTo>
-                    <a:pt x="143366" y="92319"/>
-                  </a:lnTo>
-                  <a:lnTo>
-                    <a:pt x="143434" y="91979"/>
-                  </a:lnTo>
-                  <a:lnTo>
-                    <a:pt x="143434" y="91572"/>
-                  </a:lnTo>
-                  <a:lnTo>
-                    <a:pt x="143434" y="4005"/>
-                  </a:lnTo>
-                  <a:lnTo>
-                    <a:pt x="143434" y="3598"/>
-                  </a:lnTo>
-                  <a:lnTo>
-                    <a:pt x="143366" y="3190"/>
-                  </a:lnTo>
-                  <a:lnTo>
-                    <a:pt x="143162" y="2444"/>
-                  </a:lnTo>
-                  <a:lnTo>
-                    <a:pt x="142755" y="1765"/>
-                  </a:lnTo>
-                  <a:lnTo>
-                    <a:pt x="142280" y="1154"/>
-                  </a:lnTo>
-                  <a:lnTo>
-                    <a:pt x="141737" y="679"/>
-                  </a:lnTo>
-                  <a:lnTo>
-                    <a:pt x="141058" y="339"/>
-                  </a:lnTo>
-                  <a:lnTo>
-                    <a:pt x="140311" y="68"/>
-                  </a:lnTo>
-                  <a:lnTo>
-                    <a:pt x="139904" y="0"/>
-                  </a:lnTo>
-                  <a:close/>
-                  <a:moveTo>
-                    <a:pt x="55324" y="95713"/>
-                  </a:moveTo>
-                  <a:lnTo>
-                    <a:pt x="55052" y="98971"/>
-                  </a:lnTo>
-                  <a:lnTo>
-                    <a:pt x="54713" y="102297"/>
-                  </a:lnTo>
-                  <a:lnTo>
-                    <a:pt x="54374" y="105284"/>
-                  </a:lnTo>
-                  <a:lnTo>
-                    <a:pt x="53966" y="107388"/>
-                  </a:lnTo>
-                  <a:lnTo>
-                    <a:pt x="53763" y="108203"/>
-                  </a:lnTo>
-                  <a:lnTo>
-                    <a:pt x="53627" y="108746"/>
-                  </a:lnTo>
-                  <a:lnTo>
-                    <a:pt x="53423" y="109153"/>
-                  </a:lnTo>
-                  <a:lnTo>
-                    <a:pt x="53220" y="109357"/>
-                  </a:lnTo>
-                  <a:lnTo>
-                    <a:pt x="52677" y="109493"/>
-                  </a:lnTo>
-                  <a:lnTo>
-                    <a:pt x="51794" y="109696"/>
-                  </a:lnTo>
-                  <a:lnTo>
-                    <a:pt x="49690" y="110036"/>
-                  </a:lnTo>
-                  <a:lnTo>
-                    <a:pt x="48061" y="110307"/>
-                  </a:lnTo>
-                  <a:lnTo>
-                    <a:pt x="47450" y="110443"/>
-                  </a:lnTo>
-                  <a:lnTo>
-                    <a:pt x="47110" y="110511"/>
-                  </a:lnTo>
-                  <a:lnTo>
-                    <a:pt x="47042" y="110579"/>
-                  </a:lnTo>
-                  <a:lnTo>
-                    <a:pt x="47042" y="110783"/>
-                  </a:lnTo>
-                  <a:lnTo>
-                    <a:pt x="47110" y="110850"/>
-                  </a:lnTo>
-                  <a:lnTo>
-                    <a:pt x="47585" y="110918"/>
-                  </a:lnTo>
-                  <a:lnTo>
-                    <a:pt x="48400" y="110986"/>
-                  </a:lnTo>
-                  <a:lnTo>
-                    <a:pt x="51387" y="111054"/>
-                  </a:lnTo>
-                  <a:lnTo>
-                    <a:pt x="56071" y="111122"/>
-                  </a:lnTo>
-                  <a:lnTo>
-                    <a:pt x="87092" y="111122"/>
-                  </a:lnTo>
-                  <a:lnTo>
-                    <a:pt x="91708" y="111054"/>
-                  </a:lnTo>
-                  <a:lnTo>
-                    <a:pt x="94695" y="110986"/>
-                  </a:lnTo>
-                  <a:lnTo>
-                    <a:pt x="95578" y="110918"/>
-                  </a:lnTo>
-                  <a:lnTo>
-                    <a:pt x="96053" y="110850"/>
-                  </a:lnTo>
-                  <a:lnTo>
-                    <a:pt x="96121" y="110783"/>
-                  </a:lnTo>
-                  <a:lnTo>
-                    <a:pt x="96121" y="110579"/>
-                  </a:lnTo>
-                  <a:lnTo>
-                    <a:pt x="96053" y="110511"/>
-                  </a:lnTo>
-                  <a:lnTo>
-                    <a:pt x="95713" y="110443"/>
-                  </a:lnTo>
-                  <a:lnTo>
-                    <a:pt x="95102" y="110307"/>
-                  </a:lnTo>
-                  <a:lnTo>
-                    <a:pt x="93473" y="110036"/>
-                  </a:lnTo>
-                  <a:lnTo>
-                    <a:pt x="91369" y="109696"/>
-                  </a:lnTo>
-                  <a:lnTo>
-                    <a:pt x="90487" y="109493"/>
-                  </a:lnTo>
-                  <a:lnTo>
-                    <a:pt x="89943" y="109357"/>
-                  </a:lnTo>
-                  <a:lnTo>
-                    <a:pt x="89740" y="109153"/>
-                  </a:lnTo>
-                  <a:lnTo>
-                    <a:pt x="89536" y="108746"/>
-                  </a:lnTo>
-                  <a:lnTo>
-                    <a:pt x="89333" y="108203"/>
-                  </a:lnTo>
-                  <a:lnTo>
-                    <a:pt x="89197" y="107388"/>
-                  </a:lnTo>
-                  <a:lnTo>
-                    <a:pt x="88789" y="105284"/>
-                  </a:lnTo>
-                  <a:lnTo>
-                    <a:pt x="88382" y="102297"/>
-                  </a:lnTo>
-                  <a:lnTo>
-                    <a:pt x="88043" y="98971"/>
-                  </a:lnTo>
-                  <a:lnTo>
-                    <a:pt x="87839" y="95713"/>
-                  </a:lnTo>
-                  <a:close/>
-                  <a:moveTo>
-                    <a:pt x="47450" y="111054"/>
-                  </a:moveTo>
-                  <a:lnTo>
-                    <a:pt x="47450" y="111122"/>
-                  </a:lnTo>
-                  <a:lnTo>
-                    <a:pt x="47450" y="111393"/>
-                  </a:lnTo>
-                  <a:lnTo>
-                    <a:pt x="47518" y="111461"/>
-                  </a:lnTo>
-                  <a:lnTo>
-                    <a:pt x="48807" y="111529"/>
-                  </a:lnTo>
-                  <a:lnTo>
-                    <a:pt x="52473" y="111597"/>
-                  </a:lnTo>
-                  <a:lnTo>
-                    <a:pt x="62384" y="111665"/>
-                  </a:lnTo>
-                  <a:lnTo>
-                    <a:pt x="80779" y="111665"/>
-                  </a:lnTo>
-                  <a:lnTo>
-                    <a:pt x="90622" y="111597"/>
-                  </a:lnTo>
-                  <a:lnTo>
-                    <a:pt x="94356" y="111529"/>
-                  </a:lnTo>
-                  <a:lnTo>
-                    <a:pt x="95646" y="111461"/>
-                  </a:lnTo>
-                  <a:lnTo>
-                    <a:pt x="95713" y="111393"/>
-                  </a:lnTo>
-                  <a:lnTo>
-                    <a:pt x="95713" y="111122"/>
-                  </a:lnTo>
-                  <a:lnTo>
-                    <a:pt x="95646" y="111054"/>
-                  </a:lnTo>
-                  <a:lnTo>
-                    <a:pt x="94084" y="111122"/>
-                  </a:lnTo>
-                  <a:lnTo>
-                    <a:pt x="91233" y="111190"/>
-                  </a:lnTo>
-                  <a:lnTo>
-                    <a:pt x="80847" y="111258"/>
-                  </a:lnTo>
-                  <a:lnTo>
-                    <a:pt x="62316" y="111258"/>
-                  </a:lnTo>
-                  <a:lnTo>
-                    <a:pt x="51930" y="111190"/>
-                  </a:lnTo>
-                  <a:lnTo>
-                    <a:pt x="49079" y="111122"/>
-                  </a:lnTo>
-                  <a:lnTo>
-                    <a:pt x="47518" y="111054"/>
-                  </a:lnTo>
-                  <a:close/>
-                </a:path>
-              </a:pathLst>
-            </a:custGeom>
-            <a:solidFill>
-              <a:srgbClr val="FFFFFF"/>
-            </a:solidFill>
-            <a:ln>
-              <a:noFill/>
-            </a:ln>
-          </p:spPr>
-          <p:txBody>
-            <a:bodyPr spcFirstLastPara="1" wrap="square" lIns="91425" tIns="91425" rIns="91425" bIns="91425" anchor="ctr" anchorCtr="0">
-              <a:noAutofit/>
-            </a:bodyPr>
-            <a:lstStyle/>
-            <a:p>
-              <a:pPr marL="0" lvl="0" indent="0" algn="l" rtl="0">
-                <a:spcBef>
-                  <a:spcPts val="0"/>
-                </a:spcBef>
-                <a:spcAft>
-                  <a:spcPts val="0"/>
-                </a:spcAft>
-                <a:buNone/>
-              </a:pPr>
-              <a:endParaRPr/>
-            </a:p>
-          </p:txBody>
-        </p:sp>
-        <p:pic>
-          <p:nvPicPr>
-            <p:cNvPr id="2" name="Picture 1">
-              <a:extLst>
-                <a:ext uri="{FF2B5EF4-FFF2-40B4-BE49-F238E27FC236}">
-                  <a16:creationId xmlns:a16="http://schemas.microsoft.com/office/drawing/2014/main" id="{A08DC975-9AFE-A940-B1D6-1245E1A06236}"/>
-                </a:ext>
-              </a:extLst>
-            </p:cNvPr>
-            <p:cNvPicPr>
-              <a:picLocks noChangeAspect="1"/>
-            </p:cNvPicPr>
-            <p:nvPr/>
-          </p:nvPicPr>
-          <p:blipFill>
-            <a:blip r:embed="rId3"/>
-            <a:stretch>
-              <a:fillRect/>
-            </a:stretch>
-          </p:blipFill>
-          <p:spPr>
-            <a:xfrm>
-              <a:off x="3927405" y="897365"/>
-              <a:ext cx="4565407" cy="2464606"/>
-            </a:xfrm>
-            <a:prstGeom prst="rect">
-              <a:avLst/>
-            </a:prstGeom>
-          </p:spPr>
-        </p:pic>
-      </p:grpSp>
     </p:spTree>
   </p:cSld>
   <p:clrMapOvr>
@@ -10598,7 +9940,107 @@
 </p:sld>
 </file>
 
-<file path=ppt/slides/slide5.xml><?xml version="1.0" encoding="utf-8"?>
+<file path=ppt/slides/slide30.xml><?xml version="1.0" encoding="utf-8"?>
+<p:sld xmlns:a="http://schemas.openxmlformats.org/drawingml/2006/main" xmlns:r="http://schemas.openxmlformats.org/officeDocument/2006/relationships" xmlns:p="http://schemas.openxmlformats.org/presentationml/2006/main">
+  <p:cSld>
+    <p:spTree>
+      <p:nvGrpSpPr>
+        <p:cNvPr id="1" name="Shape 83"/>
+        <p:cNvGrpSpPr/>
+        <p:nvPr/>
+      </p:nvGrpSpPr>
+      <p:grpSpPr>
+        <a:xfrm>
+          <a:off x="0" y="0"/>
+          <a:ext cx="0" cy="0"/>
+          <a:chOff x="0" y="0"/>
+          <a:chExt cx="0" cy="0"/>
+        </a:xfrm>
+      </p:grpSpPr>
+      <p:sp>
+        <p:nvSpPr>
+          <p:cNvPr id="84" name="Google Shape;84;p16"/>
+          <p:cNvSpPr txBox="1">
+            <a:spLocks noGrp="1"/>
+          </p:cNvSpPr>
+          <p:nvPr>
+            <p:ph type="ctrTitle"/>
+          </p:nvPr>
+        </p:nvSpPr>
+        <p:spPr>
+          <a:xfrm>
+            <a:off x="2169925" y="1811950"/>
+            <a:ext cx="4804200" cy="1159800"/>
+          </a:xfrm>
+          <a:prstGeom prst="rect">
+            <a:avLst/>
+          </a:prstGeom>
+        </p:spPr>
+        <p:txBody>
+          <a:bodyPr spcFirstLastPara="1" wrap="square" lIns="0" tIns="0" rIns="0" bIns="0" anchor="ctr" anchorCtr="0">
+            <a:noAutofit/>
+          </a:bodyPr>
+          <a:lstStyle/>
+          <a:p>
+            <a:pPr marL="0" lvl="0" indent="0" algn="ctr" rtl="0">
+              <a:spcBef>
+                <a:spcPts val="0"/>
+              </a:spcBef>
+              <a:spcAft>
+                <a:spcPts val="0"/>
+              </a:spcAft>
+              <a:buNone/>
+            </a:pPr>
+            <a:r>
+              <a:rPr lang="en-US" dirty="0"/>
+              <a:t>Week of May 6th</a:t>
+            </a:r>
+            <a:endParaRPr dirty="0"/>
+          </a:p>
+        </p:txBody>
+      </p:sp>
+      <p:sp>
+        <p:nvSpPr>
+          <p:cNvPr id="3" name="Subtitle 2">
+            <a:extLst>
+              <a:ext uri="{FF2B5EF4-FFF2-40B4-BE49-F238E27FC236}">
+                <a16:creationId xmlns:a16="http://schemas.microsoft.com/office/drawing/2014/main" id="{D5158A26-2A04-254F-B3B4-6E353B5E32C7}"/>
+              </a:ext>
+            </a:extLst>
+          </p:cNvPr>
+          <p:cNvSpPr>
+            <a:spLocks noGrp="1"/>
+          </p:cNvSpPr>
+          <p:nvPr>
+            <p:ph type="subTitle" idx="1"/>
+          </p:nvPr>
+        </p:nvSpPr>
+        <p:spPr/>
+        <p:txBody>
+          <a:bodyPr/>
+          <a:lstStyle/>
+          <a:p>
+            <a:r>
+              <a:rPr lang="en-US" dirty="0"/>
+              <a:t>Main Objective</a:t>
+            </a:r>
+          </a:p>
+        </p:txBody>
+      </p:sp>
+    </p:spTree>
+    <p:extLst>
+      <p:ext uri="{BB962C8B-B14F-4D97-AF65-F5344CB8AC3E}">
+        <p14:creationId xmlns:p14="http://schemas.microsoft.com/office/powerpoint/2010/main" val="1633598130"/>
+      </p:ext>
+    </p:extLst>
+  </p:cSld>
+  <p:clrMapOvr>
+    <a:masterClrMapping/>
+  </p:clrMapOvr>
+</p:sld>
+</file>
+
+<file path=ppt/slides/slide31.xml><?xml version="1.0" encoding="utf-8"?>
 <p:sld xmlns:a="http://schemas.openxmlformats.org/drawingml/2006/main" xmlns:r="http://schemas.openxmlformats.org/officeDocument/2006/relationships" xmlns:p="http://schemas.openxmlformats.org/presentationml/2006/main">
   <p:cSld>
     <p:bg>
@@ -10779,7 +10221,7 @@
     </p:spTree>
     <p:extLst>
       <p:ext uri="{BB962C8B-B14F-4D97-AF65-F5344CB8AC3E}">
-        <p14:creationId xmlns:p14="http://schemas.microsoft.com/office/powerpoint/2010/main" val="4220692184"/>
+        <p14:creationId xmlns:p14="http://schemas.microsoft.com/office/powerpoint/2010/main" val="1656985537"/>
       </p:ext>
     </p:extLst>
   </p:cSld>
@@ -10789,12 +10231,28 @@
 </p:sld>
 </file>
 
-<file path=ppt/slides/slide6.xml><?xml version="1.0" encoding="utf-8"?>
+<file path=ppt/slides/slide4.xml><?xml version="1.0" encoding="utf-8"?>
 <p:sld xmlns:a="http://schemas.openxmlformats.org/drawingml/2006/main" xmlns:r="http://schemas.openxmlformats.org/officeDocument/2006/relationships" xmlns:p="http://schemas.openxmlformats.org/presentationml/2006/main">
   <p:cSld>
+    <p:bg>
+      <p:bgPr>
+        <a:gradFill>
+          <a:gsLst>
+            <a:gs pos="0">
+              <a:srgbClr val="4050E5"/>
+            </a:gs>
+            <a:gs pos="100000">
+              <a:srgbClr val="C833FF"/>
+            </a:gs>
+          </a:gsLst>
+          <a:lin ang="5400700" scaled="0"/>
+        </a:gradFill>
+        <a:effectLst/>
+      </p:bgPr>
+    </p:bg>
     <p:spTree>
       <p:nvGrpSpPr>
-        <p:cNvPr id="1" name="Shape 83"/>
+        <p:cNvPr id="1" name="Shape 269"/>
         <p:cNvGrpSpPr/>
         <p:nvPr/>
       </p:nvGrpSpPr>
@@ -10808,19 +10266,15 @@
       </p:grpSpPr>
       <p:sp>
         <p:nvSpPr>
-          <p:cNvPr id="84" name="Google Shape;84;p16"/>
+          <p:cNvPr id="272" name="Google Shape;272;p34"/>
           <p:cNvSpPr txBox="1">
             <a:spLocks noGrp="1"/>
           </p:cNvSpPr>
           <p:nvPr>
-            <p:ph type="ctrTitle"/>
+            <p:ph type="sldNum" idx="12"/>
           </p:nvPr>
         </p:nvSpPr>
         <p:spPr>
-          <a:xfrm>
-            <a:off x="2169925" y="1811950"/>
-            <a:ext cx="4804200" cy="1159800"/>
-          </a:xfrm>
           <a:prstGeom prst="rect">
             <a:avLst/>
           </a:prstGeom>
@@ -10831,9 +10285,51 @@
           </a:bodyPr>
           <a:lstStyle/>
           <a:p>
-            <a:pPr marL="0" lvl="0" indent="0" algn="ctr" rtl="0">
-              <a:spcBef>
-                <a:spcPts val="0"/>
+            <a:pPr marL="0" lvl="0" indent="0" algn="r" rtl="0">
+              <a:spcBef>
+                <a:spcPts val="0"/>
+              </a:spcBef>
+              <a:spcAft>
+                <a:spcPts val="0"/>
+              </a:spcAft>
+              <a:buNone/>
+            </a:pPr>
+            <a:fld id="{00000000-1234-1234-1234-123412341234}" type="slidenum">
+              <a:rPr lang="en"/>
+              <a:t>4</a:t>
+            </a:fld>
+            <a:endParaRPr/>
+          </a:p>
+        </p:txBody>
+      </p:sp>
+      <p:sp>
+        <p:nvSpPr>
+          <p:cNvPr id="273" name="Google Shape;273;p34"/>
+          <p:cNvSpPr txBox="1">
+            <a:spLocks noGrp="1"/>
+          </p:cNvSpPr>
+          <p:nvPr>
+            <p:ph type="body" idx="4294967295"/>
+          </p:nvPr>
+        </p:nvSpPr>
+        <p:spPr>
+          <a:xfrm>
+            <a:off x="977852" y="477044"/>
+            <a:ext cx="2508250" cy="4189412"/>
+          </a:xfrm>
+          <a:prstGeom prst="rect">
+            <a:avLst/>
+          </a:prstGeom>
+        </p:spPr>
+        <p:txBody>
+          <a:bodyPr spcFirstLastPara="1" wrap="square" lIns="0" tIns="0" rIns="0" bIns="0" anchor="ctr" anchorCtr="0">
+            <a:noAutofit/>
+          </a:bodyPr>
+          <a:lstStyle/>
+          <a:p>
+            <a:pPr marL="0" lvl="0" indent="0" algn="l" rtl="0">
+              <a:spcBef>
+                <a:spcPts val="600"/>
               </a:spcBef>
               <a:spcAft>
                 <a:spcPts val="0"/>
@@ -10841,45 +10337,673 @@
               <a:buNone/>
             </a:pPr>
             <a:r>
-              <a:rPr lang="en-US" dirty="0"/>
-              <a:t>Week of February 11th</a:t>
+              <a:rPr lang="en-US" dirty="0">
+                <a:solidFill>
+                  <a:srgbClr val="FFFFFF"/>
+                </a:solidFill>
+                <a:latin typeface="Montserrat ExtraBold"/>
+                <a:ea typeface="Montserrat ExtraBold"/>
+                <a:cs typeface="Montserrat ExtraBold"/>
+                <a:sym typeface="Montserrat ExtraBold"/>
+              </a:rPr>
+              <a:t>Localhost Webserver</a:t>
             </a:r>
-            <a:endParaRPr dirty="0"/>
+            <a:endParaRPr dirty="0">
+              <a:solidFill>
+                <a:srgbClr val="FFFFFF"/>
+              </a:solidFill>
+              <a:latin typeface="Montserrat ExtraBold"/>
+              <a:ea typeface="Montserrat ExtraBold"/>
+              <a:cs typeface="Montserrat ExtraBold"/>
+              <a:sym typeface="Montserrat ExtraBold"/>
+            </a:endParaRPr>
+          </a:p>
+          <a:p>
+            <a:pPr marL="0" lvl="0" indent="0" algn="l" rtl="0">
+              <a:spcBef>
+                <a:spcPts val="1000"/>
+              </a:spcBef>
+              <a:spcAft>
+                <a:spcPts val="1000"/>
+              </a:spcAft>
+              <a:buNone/>
+            </a:pPr>
+            <a:r>
+              <a:rPr lang="en" sz="1800" dirty="0">
+                <a:solidFill>
+                  <a:srgbClr val="FFFFFF"/>
+                </a:solidFill>
+              </a:rPr>
+              <a:t>Google Maps Error</a:t>
+            </a:r>
+          </a:p>
+          <a:p>
+            <a:pPr marL="0" lvl="0" indent="0" algn="l" rtl="0">
+              <a:spcBef>
+                <a:spcPts val="1000"/>
+              </a:spcBef>
+              <a:spcAft>
+                <a:spcPts val="1000"/>
+              </a:spcAft>
+              <a:buNone/>
+            </a:pPr>
+            <a:r>
+              <a:rPr lang="en" sz="1800" dirty="0">
+                <a:solidFill>
+                  <a:srgbClr val="FFFFFF"/>
+                </a:solidFill>
+              </a:rPr>
+              <a:t>- API Quota (Resets)</a:t>
+            </a:r>
+            <a:endParaRPr sz="1800" dirty="0">
+              <a:solidFill>
+                <a:srgbClr val="FFFFFF"/>
+              </a:solidFill>
+            </a:endParaRPr>
           </a:p>
         </p:txBody>
       </p:sp>
-      <p:sp>
-        <p:nvSpPr>
-          <p:cNvPr id="3" name="Subtitle 2">
+      <p:grpSp>
+        <p:nvGrpSpPr>
+          <p:cNvPr id="3" name="Group 2">
             <a:extLst>
               <a:ext uri="{FF2B5EF4-FFF2-40B4-BE49-F238E27FC236}">
-                <a16:creationId xmlns:a16="http://schemas.microsoft.com/office/drawing/2014/main" id="{D5158A26-2A04-254F-B3B4-6E353B5E32C7}"/>
+                <a16:creationId xmlns:a16="http://schemas.microsoft.com/office/drawing/2014/main" id="{16A78441-1EF0-DF46-BF57-AAE03B8A250F}"/>
               </a:ext>
             </a:extLst>
           </p:cNvPr>
-          <p:cNvSpPr>
+          <p:cNvGrpSpPr/>
+          <p:nvPr/>
+        </p:nvGrpSpPr>
+        <p:grpSpPr>
+          <a:xfrm>
+            <a:off x="3657514" y="986388"/>
+            <a:ext cx="4823070" cy="3170724"/>
+            <a:chOff x="3752737" y="731409"/>
+            <a:chExt cx="4914745" cy="3230992"/>
+          </a:xfrm>
+        </p:grpSpPr>
+        <p:sp>
+          <p:nvSpPr>
+            <p:cNvPr id="270" name="Google Shape;270;p34"/>
+            <p:cNvSpPr/>
+            <p:nvPr/>
+          </p:nvSpPr>
+          <p:spPr>
+            <a:xfrm>
+              <a:off x="3752737" y="731409"/>
+              <a:ext cx="4914745" cy="3230992"/>
+            </a:xfrm>
+            <a:custGeom>
+              <a:avLst/>
+              <a:gdLst/>
+              <a:ahLst/>
+              <a:cxnLst/>
+              <a:rect l="l" t="t" r="r" b="b"/>
+              <a:pathLst>
+                <a:path w="143434" h="111665" extrusionOk="0">
+                  <a:moveTo>
+                    <a:pt x="71751" y="2308"/>
+                  </a:moveTo>
+                  <a:lnTo>
+                    <a:pt x="71887" y="2376"/>
+                  </a:lnTo>
+                  <a:lnTo>
+                    <a:pt x="72091" y="2444"/>
+                  </a:lnTo>
+                  <a:lnTo>
+                    <a:pt x="72159" y="2647"/>
+                  </a:lnTo>
+                  <a:lnTo>
+                    <a:pt x="72226" y="2783"/>
+                  </a:lnTo>
+                  <a:lnTo>
+                    <a:pt x="72159" y="2987"/>
+                  </a:lnTo>
+                  <a:lnTo>
+                    <a:pt x="72091" y="3190"/>
+                  </a:lnTo>
+                  <a:lnTo>
+                    <a:pt x="71887" y="3258"/>
+                  </a:lnTo>
+                  <a:lnTo>
+                    <a:pt x="71751" y="3326"/>
+                  </a:lnTo>
+                  <a:lnTo>
+                    <a:pt x="71548" y="3258"/>
+                  </a:lnTo>
+                  <a:lnTo>
+                    <a:pt x="71344" y="3190"/>
+                  </a:lnTo>
+                  <a:lnTo>
+                    <a:pt x="71276" y="2987"/>
+                  </a:lnTo>
+                  <a:lnTo>
+                    <a:pt x="71208" y="2783"/>
+                  </a:lnTo>
+                  <a:lnTo>
+                    <a:pt x="71276" y="2647"/>
+                  </a:lnTo>
+                  <a:lnTo>
+                    <a:pt x="71344" y="2444"/>
+                  </a:lnTo>
+                  <a:lnTo>
+                    <a:pt x="71548" y="2376"/>
+                  </a:lnTo>
+                  <a:lnTo>
+                    <a:pt x="71751" y="2308"/>
+                  </a:lnTo>
+                  <a:close/>
+                  <a:moveTo>
+                    <a:pt x="137528" y="5906"/>
+                  </a:moveTo>
+                  <a:lnTo>
+                    <a:pt x="137596" y="5974"/>
+                  </a:lnTo>
+                  <a:lnTo>
+                    <a:pt x="137596" y="89604"/>
+                  </a:lnTo>
+                  <a:lnTo>
+                    <a:pt x="5906" y="89604"/>
+                  </a:lnTo>
+                  <a:lnTo>
+                    <a:pt x="5906" y="5974"/>
+                  </a:lnTo>
+                  <a:lnTo>
+                    <a:pt x="5906" y="5906"/>
+                  </a:lnTo>
+                  <a:close/>
+                  <a:moveTo>
+                    <a:pt x="3530" y="0"/>
+                  </a:moveTo>
+                  <a:lnTo>
+                    <a:pt x="3191" y="68"/>
+                  </a:lnTo>
+                  <a:lnTo>
+                    <a:pt x="2444" y="339"/>
+                  </a:lnTo>
+                  <a:lnTo>
+                    <a:pt x="1766" y="679"/>
+                  </a:lnTo>
+                  <a:lnTo>
+                    <a:pt x="1155" y="1154"/>
+                  </a:lnTo>
+                  <a:lnTo>
+                    <a:pt x="679" y="1765"/>
+                  </a:lnTo>
+                  <a:lnTo>
+                    <a:pt x="272" y="2444"/>
+                  </a:lnTo>
+                  <a:lnTo>
+                    <a:pt x="69" y="3190"/>
+                  </a:lnTo>
+                  <a:lnTo>
+                    <a:pt x="1" y="3598"/>
+                  </a:lnTo>
+                  <a:lnTo>
+                    <a:pt x="1" y="4005"/>
+                  </a:lnTo>
+                  <a:lnTo>
+                    <a:pt x="1" y="91572"/>
+                  </a:lnTo>
+                  <a:lnTo>
+                    <a:pt x="1" y="91979"/>
+                  </a:lnTo>
+                  <a:lnTo>
+                    <a:pt x="69" y="92319"/>
+                  </a:lnTo>
+                  <a:lnTo>
+                    <a:pt x="272" y="93065"/>
+                  </a:lnTo>
+                  <a:lnTo>
+                    <a:pt x="679" y="93744"/>
+                  </a:lnTo>
+                  <a:lnTo>
+                    <a:pt x="1155" y="94355"/>
+                  </a:lnTo>
+                  <a:lnTo>
+                    <a:pt x="1766" y="94830"/>
+                  </a:lnTo>
+                  <a:lnTo>
+                    <a:pt x="2444" y="95238"/>
+                  </a:lnTo>
+                  <a:lnTo>
+                    <a:pt x="3191" y="95441"/>
+                  </a:lnTo>
+                  <a:lnTo>
+                    <a:pt x="3530" y="95509"/>
+                  </a:lnTo>
+                  <a:lnTo>
+                    <a:pt x="139904" y="95509"/>
+                  </a:lnTo>
+                  <a:lnTo>
+                    <a:pt x="140311" y="95441"/>
+                  </a:lnTo>
+                  <a:lnTo>
+                    <a:pt x="141058" y="95238"/>
+                  </a:lnTo>
+                  <a:lnTo>
+                    <a:pt x="141737" y="94830"/>
+                  </a:lnTo>
+                  <a:lnTo>
+                    <a:pt x="142280" y="94355"/>
+                  </a:lnTo>
+                  <a:lnTo>
+                    <a:pt x="142755" y="93744"/>
+                  </a:lnTo>
+                  <a:lnTo>
+                    <a:pt x="143162" y="93065"/>
+                  </a:lnTo>
+                  <a:lnTo>
+                    <a:pt x="143366" y="92319"/>
+                  </a:lnTo>
+                  <a:lnTo>
+                    <a:pt x="143434" y="91979"/>
+                  </a:lnTo>
+                  <a:lnTo>
+                    <a:pt x="143434" y="91572"/>
+                  </a:lnTo>
+                  <a:lnTo>
+                    <a:pt x="143434" y="4005"/>
+                  </a:lnTo>
+                  <a:lnTo>
+                    <a:pt x="143434" y="3598"/>
+                  </a:lnTo>
+                  <a:lnTo>
+                    <a:pt x="143366" y="3190"/>
+                  </a:lnTo>
+                  <a:lnTo>
+                    <a:pt x="143162" y="2444"/>
+                  </a:lnTo>
+                  <a:lnTo>
+                    <a:pt x="142755" y="1765"/>
+                  </a:lnTo>
+                  <a:lnTo>
+                    <a:pt x="142280" y="1154"/>
+                  </a:lnTo>
+                  <a:lnTo>
+                    <a:pt x="141737" y="679"/>
+                  </a:lnTo>
+                  <a:lnTo>
+                    <a:pt x="141058" y="339"/>
+                  </a:lnTo>
+                  <a:lnTo>
+                    <a:pt x="140311" y="68"/>
+                  </a:lnTo>
+                  <a:lnTo>
+                    <a:pt x="139904" y="0"/>
+                  </a:lnTo>
+                  <a:close/>
+                  <a:moveTo>
+                    <a:pt x="55324" y="95713"/>
+                  </a:moveTo>
+                  <a:lnTo>
+                    <a:pt x="55052" y="98971"/>
+                  </a:lnTo>
+                  <a:lnTo>
+                    <a:pt x="54713" y="102297"/>
+                  </a:lnTo>
+                  <a:lnTo>
+                    <a:pt x="54374" y="105284"/>
+                  </a:lnTo>
+                  <a:lnTo>
+                    <a:pt x="53966" y="107388"/>
+                  </a:lnTo>
+                  <a:lnTo>
+                    <a:pt x="53763" y="108203"/>
+                  </a:lnTo>
+                  <a:lnTo>
+                    <a:pt x="53627" y="108746"/>
+                  </a:lnTo>
+                  <a:lnTo>
+                    <a:pt x="53423" y="109153"/>
+                  </a:lnTo>
+                  <a:lnTo>
+                    <a:pt x="53220" y="109357"/>
+                  </a:lnTo>
+                  <a:lnTo>
+                    <a:pt x="52677" y="109493"/>
+                  </a:lnTo>
+                  <a:lnTo>
+                    <a:pt x="51794" y="109696"/>
+                  </a:lnTo>
+                  <a:lnTo>
+                    <a:pt x="49690" y="110036"/>
+                  </a:lnTo>
+                  <a:lnTo>
+                    <a:pt x="48061" y="110307"/>
+                  </a:lnTo>
+                  <a:lnTo>
+                    <a:pt x="47450" y="110443"/>
+                  </a:lnTo>
+                  <a:lnTo>
+                    <a:pt x="47110" y="110511"/>
+                  </a:lnTo>
+                  <a:lnTo>
+                    <a:pt x="47042" y="110579"/>
+                  </a:lnTo>
+                  <a:lnTo>
+                    <a:pt x="47042" y="110783"/>
+                  </a:lnTo>
+                  <a:lnTo>
+                    <a:pt x="47110" y="110850"/>
+                  </a:lnTo>
+                  <a:lnTo>
+                    <a:pt x="47585" y="110918"/>
+                  </a:lnTo>
+                  <a:lnTo>
+                    <a:pt x="48400" y="110986"/>
+                  </a:lnTo>
+                  <a:lnTo>
+                    <a:pt x="51387" y="111054"/>
+                  </a:lnTo>
+                  <a:lnTo>
+                    <a:pt x="56071" y="111122"/>
+                  </a:lnTo>
+                  <a:lnTo>
+                    <a:pt x="87092" y="111122"/>
+                  </a:lnTo>
+                  <a:lnTo>
+                    <a:pt x="91708" y="111054"/>
+                  </a:lnTo>
+                  <a:lnTo>
+                    <a:pt x="94695" y="110986"/>
+                  </a:lnTo>
+                  <a:lnTo>
+                    <a:pt x="95578" y="110918"/>
+                  </a:lnTo>
+                  <a:lnTo>
+                    <a:pt x="96053" y="110850"/>
+                  </a:lnTo>
+                  <a:lnTo>
+                    <a:pt x="96121" y="110783"/>
+                  </a:lnTo>
+                  <a:lnTo>
+                    <a:pt x="96121" y="110579"/>
+                  </a:lnTo>
+                  <a:lnTo>
+                    <a:pt x="96053" y="110511"/>
+                  </a:lnTo>
+                  <a:lnTo>
+                    <a:pt x="95713" y="110443"/>
+                  </a:lnTo>
+                  <a:lnTo>
+                    <a:pt x="95102" y="110307"/>
+                  </a:lnTo>
+                  <a:lnTo>
+                    <a:pt x="93473" y="110036"/>
+                  </a:lnTo>
+                  <a:lnTo>
+                    <a:pt x="91369" y="109696"/>
+                  </a:lnTo>
+                  <a:lnTo>
+                    <a:pt x="90487" y="109493"/>
+                  </a:lnTo>
+                  <a:lnTo>
+                    <a:pt x="89943" y="109357"/>
+                  </a:lnTo>
+                  <a:lnTo>
+                    <a:pt x="89740" y="109153"/>
+                  </a:lnTo>
+                  <a:lnTo>
+                    <a:pt x="89536" y="108746"/>
+                  </a:lnTo>
+                  <a:lnTo>
+                    <a:pt x="89333" y="108203"/>
+                  </a:lnTo>
+                  <a:lnTo>
+                    <a:pt x="89197" y="107388"/>
+                  </a:lnTo>
+                  <a:lnTo>
+                    <a:pt x="88789" y="105284"/>
+                  </a:lnTo>
+                  <a:lnTo>
+                    <a:pt x="88382" y="102297"/>
+                  </a:lnTo>
+                  <a:lnTo>
+                    <a:pt x="88043" y="98971"/>
+                  </a:lnTo>
+                  <a:lnTo>
+                    <a:pt x="87839" y="95713"/>
+                  </a:lnTo>
+                  <a:close/>
+                  <a:moveTo>
+                    <a:pt x="47450" y="111054"/>
+                  </a:moveTo>
+                  <a:lnTo>
+                    <a:pt x="47450" y="111122"/>
+                  </a:lnTo>
+                  <a:lnTo>
+                    <a:pt x="47450" y="111393"/>
+                  </a:lnTo>
+                  <a:lnTo>
+                    <a:pt x="47518" y="111461"/>
+                  </a:lnTo>
+                  <a:lnTo>
+                    <a:pt x="48807" y="111529"/>
+                  </a:lnTo>
+                  <a:lnTo>
+                    <a:pt x="52473" y="111597"/>
+                  </a:lnTo>
+                  <a:lnTo>
+                    <a:pt x="62384" y="111665"/>
+                  </a:lnTo>
+                  <a:lnTo>
+                    <a:pt x="80779" y="111665"/>
+                  </a:lnTo>
+                  <a:lnTo>
+                    <a:pt x="90622" y="111597"/>
+                  </a:lnTo>
+                  <a:lnTo>
+                    <a:pt x="94356" y="111529"/>
+                  </a:lnTo>
+                  <a:lnTo>
+                    <a:pt x="95646" y="111461"/>
+                  </a:lnTo>
+                  <a:lnTo>
+                    <a:pt x="95713" y="111393"/>
+                  </a:lnTo>
+                  <a:lnTo>
+                    <a:pt x="95713" y="111122"/>
+                  </a:lnTo>
+                  <a:lnTo>
+                    <a:pt x="95646" y="111054"/>
+                  </a:lnTo>
+                  <a:lnTo>
+                    <a:pt x="94084" y="111122"/>
+                  </a:lnTo>
+                  <a:lnTo>
+                    <a:pt x="91233" y="111190"/>
+                  </a:lnTo>
+                  <a:lnTo>
+                    <a:pt x="80847" y="111258"/>
+                  </a:lnTo>
+                  <a:lnTo>
+                    <a:pt x="62316" y="111258"/>
+                  </a:lnTo>
+                  <a:lnTo>
+                    <a:pt x="51930" y="111190"/>
+                  </a:lnTo>
+                  <a:lnTo>
+                    <a:pt x="49079" y="111122"/>
+                  </a:lnTo>
+                  <a:lnTo>
+                    <a:pt x="47518" y="111054"/>
+                  </a:lnTo>
+                  <a:close/>
+                </a:path>
+              </a:pathLst>
+            </a:custGeom>
+            <a:solidFill>
+              <a:srgbClr val="FFFFFF"/>
+            </a:solidFill>
+            <a:ln>
+              <a:noFill/>
+            </a:ln>
+          </p:spPr>
+          <p:txBody>
+            <a:bodyPr spcFirstLastPara="1" wrap="square" lIns="91425" tIns="91425" rIns="91425" bIns="91425" anchor="ctr" anchorCtr="0">
+              <a:noAutofit/>
+            </a:bodyPr>
+            <a:lstStyle/>
+            <a:p>
+              <a:pPr marL="0" lvl="0" indent="0" algn="l" rtl="0">
+                <a:spcBef>
+                  <a:spcPts val="0"/>
+                </a:spcBef>
+                <a:spcAft>
+                  <a:spcPts val="0"/>
+                </a:spcAft>
+                <a:buNone/>
+              </a:pPr>
+              <a:endParaRPr/>
+            </a:p>
+          </p:txBody>
+        </p:sp>
+        <p:pic>
+          <p:nvPicPr>
+            <p:cNvPr id="2" name="Picture 1">
+              <a:extLst>
+                <a:ext uri="{FF2B5EF4-FFF2-40B4-BE49-F238E27FC236}">
+                  <a16:creationId xmlns:a16="http://schemas.microsoft.com/office/drawing/2014/main" id="{A08DC975-9AFE-A940-B1D6-1245E1A06236}"/>
+                </a:ext>
+              </a:extLst>
+            </p:cNvPr>
+            <p:cNvPicPr>
+              <a:picLocks noChangeAspect="1"/>
+            </p:cNvPicPr>
+            <p:nvPr/>
+          </p:nvPicPr>
+          <p:blipFill>
+            <a:blip r:embed="rId3"/>
+            <a:stretch>
+              <a:fillRect/>
+            </a:stretch>
+          </p:blipFill>
+          <p:spPr>
+            <a:xfrm>
+              <a:off x="3927405" y="897365"/>
+              <a:ext cx="4565407" cy="2464606"/>
+            </a:xfrm>
+            <a:prstGeom prst="rect">
+              <a:avLst/>
+            </a:prstGeom>
+          </p:spPr>
+        </p:pic>
+      </p:grpSp>
+    </p:spTree>
+  </p:cSld>
+  <p:clrMapOvr>
+    <a:masterClrMapping/>
+  </p:clrMapOvr>
+</p:sld>
+</file>
+
+<file path=ppt/slides/slide5.xml><?xml version="1.0" encoding="utf-8"?>
+<p:sld xmlns:a="http://schemas.openxmlformats.org/drawingml/2006/main" xmlns:r="http://schemas.openxmlformats.org/officeDocument/2006/relationships" xmlns:p="http://schemas.openxmlformats.org/presentationml/2006/main">
+  <p:cSld>
+    <p:bg>
+      <p:bgPr>
+        <a:gradFill>
+          <a:gsLst>
+            <a:gs pos="0">
+              <a:srgbClr val="4050E5"/>
+            </a:gs>
+            <a:gs pos="100000">
+              <a:srgbClr val="C833FF"/>
+            </a:gs>
+          </a:gsLst>
+          <a:lin ang="5400700" scaled="0"/>
+        </a:gradFill>
+        <a:effectLst/>
+      </p:bgPr>
+    </p:bg>
+    <p:spTree>
+      <p:nvGrpSpPr>
+        <p:cNvPr id="1" name="Shape 269"/>
+        <p:cNvGrpSpPr/>
+        <p:nvPr/>
+      </p:nvGrpSpPr>
+      <p:grpSpPr>
+        <a:xfrm>
+          <a:off x="0" y="0"/>
+          <a:ext cx="0" cy="0"/>
+          <a:chOff x="0" y="0"/>
+          <a:chExt cx="0" cy="0"/>
+        </a:xfrm>
+      </p:grpSpPr>
+      <p:sp>
+        <p:nvSpPr>
+          <p:cNvPr id="272" name="Google Shape;272;p34"/>
+          <p:cNvSpPr txBox="1">
             <a:spLocks noGrp="1"/>
           </p:cNvSpPr>
           <p:nvPr>
-            <p:ph type="subTitle" idx="1"/>
+            <p:ph type="sldNum" idx="12"/>
           </p:nvPr>
         </p:nvSpPr>
-        <p:spPr/>
+        <p:spPr>
+          <a:prstGeom prst="rect">
+            <a:avLst/>
+          </a:prstGeom>
+        </p:spPr>
         <p:txBody>
-          <a:bodyPr/>
+          <a:bodyPr spcFirstLastPara="1" wrap="square" lIns="0" tIns="0" rIns="0" bIns="0" anchor="ctr" anchorCtr="0">
+            <a:noAutofit/>
+          </a:bodyPr>
           <a:lstStyle/>
           <a:p>
-            <a:r>
-              <a:rPr lang="en-US" dirty="0"/>
-              <a:t>Main Objective</a:t>
-            </a:r>
+            <a:pPr marL="0" lvl="0" indent="0" algn="r" rtl="0">
+              <a:spcBef>
+                <a:spcPts val="0"/>
+              </a:spcBef>
+              <a:spcAft>
+                <a:spcPts val="0"/>
+              </a:spcAft>
+              <a:buNone/>
+            </a:pPr>
+            <a:fld id="{00000000-1234-1234-1234-123412341234}" type="slidenum">
+              <a:rPr lang="en"/>
+              <a:t>5</a:t>
+            </a:fld>
+            <a:endParaRPr/>
           </a:p>
         </p:txBody>
       </p:sp>
+      <p:pic>
+        <p:nvPicPr>
+          <p:cNvPr id="4" name="Picture 3">
+            <a:extLst>
+              <a:ext uri="{FF2B5EF4-FFF2-40B4-BE49-F238E27FC236}">
+                <a16:creationId xmlns:a16="http://schemas.microsoft.com/office/drawing/2014/main" id="{85B98F0B-6743-2E42-93D4-FF34BC6A5FF3}"/>
+              </a:ext>
+            </a:extLst>
+          </p:cNvPr>
+          <p:cNvPicPr>
+            <a:picLocks noChangeAspect="1"/>
+          </p:cNvPicPr>
+          <p:nvPr/>
+        </p:nvPicPr>
+        <p:blipFill>
+          <a:blip r:embed="rId3"/>
+          <a:stretch>
+            <a:fillRect/>
+          </a:stretch>
+        </p:blipFill>
+        <p:spPr>
+          <a:xfrm>
+            <a:off x="448175" y="334916"/>
+            <a:ext cx="8032409" cy="4473668"/>
+          </a:xfrm>
+          <a:prstGeom prst="rect">
+            <a:avLst/>
+          </a:prstGeom>
+        </p:spPr>
+      </p:pic>
     </p:spTree>
     <p:extLst>
       <p:ext uri="{BB962C8B-B14F-4D97-AF65-F5344CB8AC3E}">
-        <p14:creationId xmlns:p14="http://schemas.microsoft.com/office/powerpoint/2010/main" val="670201790"/>
+        <p14:creationId xmlns:p14="http://schemas.microsoft.com/office/powerpoint/2010/main" val="1815801268"/>
       </p:ext>
     </p:extLst>
   </p:cSld>
@@ -10889,7 +11013,7 @@
 </p:sld>
 </file>
 
-<file path=ppt/slides/slide7.xml><?xml version="1.0" encoding="utf-8"?>
+<file path=ppt/slides/slide6.xml><?xml version="1.0" encoding="utf-8"?>
 <p:sld xmlns:a="http://schemas.openxmlformats.org/drawingml/2006/main" xmlns:r="http://schemas.openxmlformats.org/officeDocument/2006/relationships" xmlns:p="http://schemas.openxmlformats.org/presentationml/2006/main">
   <p:cSld>
     <p:bg>
@@ -11070,7 +11194,7 @@
     </p:spTree>
     <p:extLst>
       <p:ext uri="{BB962C8B-B14F-4D97-AF65-F5344CB8AC3E}">
-        <p14:creationId xmlns:p14="http://schemas.microsoft.com/office/powerpoint/2010/main" val="3354994865"/>
+        <p14:creationId xmlns:p14="http://schemas.microsoft.com/office/powerpoint/2010/main" val="4220692184"/>
       </p:ext>
     </p:extLst>
   </p:cSld>
@@ -11080,7 +11204,7 @@
 </p:sld>
 </file>
 
-<file path=ppt/slides/slide8.xml><?xml version="1.0" encoding="utf-8"?>
+<file path=ppt/slides/slide7.xml><?xml version="1.0" encoding="utf-8"?>
 <p:sld xmlns:a="http://schemas.openxmlformats.org/drawingml/2006/main" xmlns:r="http://schemas.openxmlformats.org/officeDocument/2006/relationships" xmlns:p="http://schemas.openxmlformats.org/presentationml/2006/main">
   <p:cSld>
     <p:spTree>
@@ -11133,7 +11257,7 @@
             </a:pPr>
             <a:r>
               <a:rPr lang="en-US" dirty="0"/>
-              <a:t>Week of February 18th</a:t>
+              <a:t>Week of February 11th</a:t>
             </a:r>
             <a:endParaRPr dirty="0"/>
           </a:p>
@@ -11170,7 +11294,7 @@
     </p:spTree>
     <p:extLst>
       <p:ext uri="{BB962C8B-B14F-4D97-AF65-F5344CB8AC3E}">
-        <p14:creationId xmlns:p14="http://schemas.microsoft.com/office/powerpoint/2010/main" val="418225669"/>
+        <p14:creationId xmlns:p14="http://schemas.microsoft.com/office/powerpoint/2010/main" val="670201790"/>
       </p:ext>
     </p:extLst>
   </p:cSld>
@@ -11180,7 +11304,7 @@
 </p:sld>
 </file>
 
-<file path=ppt/slides/slide9.xml><?xml version="1.0" encoding="utf-8"?>
+<file path=ppt/slides/slide8.xml><?xml version="1.0" encoding="utf-8"?>
 <p:sld xmlns:a="http://schemas.openxmlformats.org/drawingml/2006/main" xmlns:r="http://schemas.openxmlformats.org/officeDocument/2006/relationships" xmlns:p="http://schemas.openxmlformats.org/presentationml/2006/main">
   <p:cSld>
     <p:bg>
@@ -11361,7 +11485,107 @@
     </p:spTree>
     <p:extLst>
       <p:ext uri="{BB962C8B-B14F-4D97-AF65-F5344CB8AC3E}">
-        <p14:creationId xmlns:p14="http://schemas.microsoft.com/office/powerpoint/2010/main" val="4185119771"/>
+        <p14:creationId xmlns:p14="http://schemas.microsoft.com/office/powerpoint/2010/main" val="3354994865"/>
+      </p:ext>
+    </p:extLst>
+  </p:cSld>
+  <p:clrMapOvr>
+    <a:masterClrMapping/>
+  </p:clrMapOvr>
+</p:sld>
+</file>
+
+<file path=ppt/slides/slide9.xml><?xml version="1.0" encoding="utf-8"?>
+<p:sld xmlns:a="http://schemas.openxmlformats.org/drawingml/2006/main" xmlns:r="http://schemas.openxmlformats.org/officeDocument/2006/relationships" xmlns:p="http://schemas.openxmlformats.org/presentationml/2006/main">
+  <p:cSld>
+    <p:spTree>
+      <p:nvGrpSpPr>
+        <p:cNvPr id="1" name="Shape 83"/>
+        <p:cNvGrpSpPr/>
+        <p:nvPr/>
+      </p:nvGrpSpPr>
+      <p:grpSpPr>
+        <a:xfrm>
+          <a:off x="0" y="0"/>
+          <a:ext cx="0" cy="0"/>
+          <a:chOff x="0" y="0"/>
+          <a:chExt cx="0" cy="0"/>
+        </a:xfrm>
+      </p:grpSpPr>
+      <p:sp>
+        <p:nvSpPr>
+          <p:cNvPr id="84" name="Google Shape;84;p16"/>
+          <p:cNvSpPr txBox="1">
+            <a:spLocks noGrp="1"/>
+          </p:cNvSpPr>
+          <p:nvPr>
+            <p:ph type="ctrTitle"/>
+          </p:nvPr>
+        </p:nvSpPr>
+        <p:spPr>
+          <a:xfrm>
+            <a:off x="2169925" y="1811950"/>
+            <a:ext cx="4804200" cy="1159800"/>
+          </a:xfrm>
+          <a:prstGeom prst="rect">
+            <a:avLst/>
+          </a:prstGeom>
+        </p:spPr>
+        <p:txBody>
+          <a:bodyPr spcFirstLastPara="1" wrap="square" lIns="0" tIns="0" rIns="0" bIns="0" anchor="ctr" anchorCtr="0">
+            <a:noAutofit/>
+          </a:bodyPr>
+          <a:lstStyle/>
+          <a:p>
+            <a:pPr marL="0" lvl="0" indent="0" algn="ctr" rtl="0">
+              <a:spcBef>
+                <a:spcPts val="0"/>
+              </a:spcBef>
+              <a:spcAft>
+                <a:spcPts val="0"/>
+              </a:spcAft>
+              <a:buNone/>
+            </a:pPr>
+            <a:r>
+              <a:rPr lang="en-US" dirty="0"/>
+              <a:t>Week of February 18th</a:t>
+            </a:r>
+            <a:endParaRPr dirty="0"/>
+          </a:p>
+        </p:txBody>
+      </p:sp>
+      <p:sp>
+        <p:nvSpPr>
+          <p:cNvPr id="3" name="Subtitle 2">
+            <a:extLst>
+              <a:ext uri="{FF2B5EF4-FFF2-40B4-BE49-F238E27FC236}">
+                <a16:creationId xmlns:a16="http://schemas.microsoft.com/office/drawing/2014/main" id="{D5158A26-2A04-254F-B3B4-6E353B5E32C7}"/>
+              </a:ext>
+            </a:extLst>
+          </p:cNvPr>
+          <p:cNvSpPr>
+            <a:spLocks noGrp="1"/>
+          </p:cNvSpPr>
+          <p:nvPr>
+            <p:ph type="subTitle" idx="1"/>
+          </p:nvPr>
+        </p:nvSpPr>
+        <p:spPr/>
+        <p:txBody>
+          <a:bodyPr/>
+          <a:lstStyle/>
+          <a:p>
+            <a:r>
+              <a:rPr lang="en-US" dirty="0"/>
+              <a:t>Main Objective</a:t>
+            </a:r>
+          </a:p>
+        </p:txBody>
+      </p:sp>
+    </p:spTree>
+    <p:extLst>
+      <p:ext uri="{BB962C8B-B14F-4D97-AF65-F5344CB8AC3E}">
+        <p14:creationId xmlns:p14="http://schemas.microsoft.com/office/powerpoint/2010/main" val="418225669"/>
       </p:ext>
     </p:extLst>
   </p:cSld>

--- a/CS490Presentation.pptx
+++ b/CS490Presentation.pptx
@@ -10934,6 +10934,69 @@
       </p:grpSpPr>
       <p:sp>
         <p:nvSpPr>
+          <p:cNvPr id="8" name="Title 7">
+            <a:extLst>
+              <a:ext uri="{FF2B5EF4-FFF2-40B4-BE49-F238E27FC236}">
+                <a16:creationId xmlns:a16="http://schemas.microsoft.com/office/drawing/2014/main" id="{16244DE7-858E-574A-956D-4FE1B3E2A891}"/>
+              </a:ext>
+            </a:extLst>
+          </p:cNvPr>
+          <p:cNvSpPr>
+            <a:spLocks noGrp="1"/>
+          </p:cNvSpPr>
+          <p:nvPr>
+            <p:ph type="title"/>
+          </p:nvPr>
+        </p:nvSpPr>
+        <p:spPr/>
+        <p:txBody>
+          <a:bodyPr/>
+          <a:lstStyle/>
+          <a:p>
+            <a:r>
+              <a:rPr lang="en-US" dirty="0"/>
+              <a:t>Kafka Version</a:t>
+            </a:r>
+            <a:br>
+              <a:rPr lang="en-US" dirty="0"/>
+            </a:br>
+            <a:br>
+              <a:rPr lang="en-US" dirty="0"/>
+            </a:br>
+            <a:r>
+              <a:rPr lang="en-US"/>
+              <a:t>Java Version</a:t>
+            </a:r>
+          </a:p>
+        </p:txBody>
+      </p:sp>
+      <p:sp>
+        <p:nvSpPr>
+          <p:cNvPr id="9" name="Text Placeholder 8">
+            <a:extLst>
+              <a:ext uri="{FF2B5EF4-FFF2-40B4-BE49-F238E27FC236}">
+                <a16:creationId xmlns:a16="http://schemas.microsoft.com/office/drawing/2014/main" id="{DEAD8D12-C7D8-1C4C-8C69-4E838B4330B6}"/>
+              </a:ext>
+            </a:extLst>
+          </p:cNvPr>
+          <p:cNvSpPr>
+            <a:spLocks noGrp="1"/>
+          </p:cNvSpPr>
+          <p:nvPr>
+            <p:ph type="body" idx="1"/>
+          </p:nvPr>
+        </p:nvSpPr>
+        <p:spPr/>
+        <p:txBody>
+          <a:bodyPr/>
+          <a:lstStyle/>
+          <a:p>
+            <a:endParaRPr lang="en-US"/>
+          </a:p>
+        </p:txBody>
+      </p:sp>
+      <p:sp>
+        <p:nvSpPr>
           <p:cNvPr id="272" name="Google Shape;272;p34"/>
           <p:cNvSpPr txBox="1">
             <a:spLocks noGrp="1"/>
@@ -10972,10 +11035,10 @@
       </p:sp>
       <p:pic>
         <p:nvPicPr>
-          <p:cNvPr id="4" name="Picture 3">
+          <p:cNvPr id="2" name="Picture 1">
             <a:extLst>
               <a:ext uri="{FF2B5EF4-FFF2-40B4-BE49-F238E27FC236}">
-                <a16:creationId xmlns:a16="http://schemas.microsoft.com/office/drawing/2014/main" id="{85B98F0B-6743-2E42-93D4-FF34BC6A5FF3}"/>
+                <a16:creationId xmlns:a16="http://schemas.microsoft.com/office/drawing/2014/main" id="{18E7BC22-623C-7D40-87EE-142653261A25}"/>
               </a:ext>
             </a:extLst>
           </p:cNvPr>
@@ -10992,8 +11055,8 @@
         </p:blipFill>
         <p:spPr>
           <a:xfrm>
-            <a:off x="448175" y="334916"/>
-            <a:ext cx="8032409" cy="4473668"/>
+            <a:off x="3098142" y="621611"/>
+            <a:ext cx="5382442" cy="3716564"/>
           </a:xfrm>
           <a:prstGeom prst="rect">
             <a:avLst/>

--- a/CS490Presentation.pptx
+++ b/CS490Presentation.pptx
@@ -9867,20 +9867,8 @@
             </a:pPr>
             <a:r>
               <a:rPr lang="en-US" dirty="0"/>
-              <a:t>Google Maps API Request Quota Exceeded </a:t>
+              <a:t>Make note of versions</a:t>
             </a:r>
-            <a:endParaRPr dirty="0"/>
-          </a:p>
-          <a:p>
-            <a:pPr marL="0" lvl="0" indent="0" algn="l" rtl="0">
-              <a:spcBef>
-                <a:spcPts val="1000"/>
-              </a:spcBef>
-              <a:spcAft>
-                <a:spcPts val="1000"/>
-              </a:spcAft>
-              <a:buNone/>
-            </a:pPr>
             <a:r>
               <a:rPr lang="en" dirty="0"/>
               <a:t>Update instructions on README</a:t>
@@ -10964,7 +10952,7 @@
               <a:rPr lang="en-US" dirty="0"/>
             </a:br>
             <a:r>
-              <a:rPr lang="en-US"/>
+              <a:rPr lang="en-US" dirty="0"/>
               <a:t>Java Version</a:t>
             </a:r>
           </a:p>
